--- a/English/5.DAX/3.Calulate Table.pptx
+++ b/English/5.DAX/3.Calulate Table.pptx
@@ -18,7 +18,7 @@
   <p:notesSz cx="6858000" cy="9144000"/>
   <p:defaultTextStyle>
     <a:defPPr>
-      <a:defRPr lang="en-US"/>
+      <a:defRPr lang="en"/>
     </a:defPPr>
     <a:lvl1pPr marL="0" algn="l" defTabSz="914400" rtl="0" eaLnBrk="1" latinLnBrk="0" hangingPunct="1">
       <a:defRPr sz="1800" kern="1200">
@@ -201,7 +201,7 @@
           <a:p>
             <a:fld id="{056BA3B8-9F76-4D81-B71D-76CB85363062}" type="datetimeFigureOut">
               <a:rPr lang="en-US" smtClean="0"/>
-              <a:t>1/3/2025</a:t>
+              <a:t>2/26/2025</a:t>
             </a:fld>
             <a:endParaRPr lang="en-US"/>
           </a:p>
@@ -600,7 +600,7 @@
           <a:p>
             <a:fld id="{6F01DA4D-20EA-48D2-973C-0311EC3005D6}" type="datetimeFigureOut">
               <a:rPr lang="en-US" smtClean="0"/>
-              <a:t>1/3/2025</a:t>
+              <a:t>2/26/2025</a:t>
             </a:fld>
             <a:endParaRPr lang="en-US"/>
           </a:p>
@@ -770,7 +770,7 @@
           <a:p>
             <a:fld id="{6F01DA4D-20EA-48D2-973C-0311EC3005D6}" type="datetimeFigureOut">
               <a:rPr lang="en-US" smtClean="0"/>
-              <a:t>1/3/2025</a:t>
+              <a:t>2/26/2025</a:t>
             </a:fld>
             <a:endParaRPr lang="en-US"/>
           </a:p>
@@ -950,7 +950,7 @@
           <a:p>
             <a:fld id="{6F01DA4D-20EA-48D2-973C-0311EC3005D6}" type="datetimeFigureOut">
               <a:rPr lang="en-US" smtClean="0"/>
-              <a:t>1/3/2025</a:t>
+              <a:t>2/26/2025</a:t>
             </a:fld>
             <a:endParaRPr lang="en-US"/>
           </a:p>
@@ -1120,7 +1120,7 @@
           <a:p>
             <a:fld id="{6F01DA4D-20EA-48D2-973C-0311EC3005D6}" type="datetimeFigureOut">
               <a:rPr lang="en-US" smtClean="0"/>
-              <a:t>1/3/2025</a:t>
+              <a:t>2/26/2025</a:t>
             </a:fld>
             <a:endParaRPr lang="en-US"/>
           </a:p>
@@ -1366,7 +1366,7 @@
           <a:p>
             <a:fld id="{6F01DA4D-20EA-48D2-973C-0311EC3005D6}" type="datetimeFigureOut">
               <a:rPr lang="en-US" smtClean="0"/>
-              <a:t>1/3/2025</a:t>
+              <a:t>2/26/2025</a:t>
             </a:fld>
             <a:endParaRPr lang="en-US"/>
           </a:p>
@@ -1598,7 +1598,7 @@
           <a:p>
             <a:fld id="{6F01DA4D-20EA-48D2-973C-0311EC3005D6}" type="datetimeFigureOut">
               <a:rPr lang="en-US" smtClean="0"/>
-              <a:t>1/3/2025</a:t>
+              <a:t>2/26/2025</a:t>
             </a:fld>
             <a:endParaRPr lang="en-US"/>
           </a:p>
@@ -1965,7 +1965,7 @@
           <a:p>
             <a:fld id="{6F01DA4D-20EA-48D2-973C-0311EC3005D6}" type="datetimeFigureOut">
               <a:rPr lang="en-US" smtClean="0"/>
-              <a:t>1/3/2025</a:t>
+              <a:t>2/26/2025</a:t>
             </a:fld>
             <a:endParaRPr lang="en-US"/>
           </a:p>
@@ -2083,7 +2083,7 @@
           <a:p>
             <a:fld id="{6F01DA4D-20EA-48D2-973C-0311EC3005D6}" type="datetimeFigureOut">
               <a:rPr lang="en-US" smtClean="0"/>
-              <a:t>1/3/2025</a:t>
+              <a:t>2/26/2025</a:t>
             </a:fld>
             <a:endParaRPr lang="en-US"/>
           </a:p>
@@ -2178,7 +2178,7 @@
           <a:p>
             <a:fld id="{6F01DA4D-20EA-48D2-973C-0311EC3005D6}" type="datetimeFigureOut">
               <a:rPr lang="en-US" smtClean="0"/>
-              <a:t>1/3/2025</a:t>
+              <a:t>2/26/2025</a:t>
             </a:fld>
             <a:endParaRPr lang="en-US"/>
           </a:p>
@@ -2455,7 +2455,7 @@
           <a:p>
             <a:fld id="{6F01DA4D-20EA-48D2-973C-0311EC3005D6}" type="datetimeFigureOut">
               <a:rPr lang="en-US" smtClean="0"/>
-              <a:t>1/3/2025</a:t>
+              <a:t>2/26/2025</a:t>
             </a:fld>
             <a:endParaRPr lang="en-US"/>
           </a:p>
@@ -2708,7 +2708,7 @@
           <a:p>
             <a:fld id="{6F01DA4D-20EA-48D2-973C-0311EC3005D6}" type="datetimeFigureOut">
               <a:rPr lang="en-US" smtClean="0"/>
-              <a:t>1/3/2025</a:t>
+              <a:t>2/26/2025</a:t>
             </a:fld>
             <a:endParaRPr lang="en-US"/>
           </a:p>
@@ -2921,7 +2921,7 @@
           <a:p>
             <a:fld id="{6F01DA4D-20EA-48D2-973C-0311EC3005D6}" type="datetimeFigureOut">
               <a:rPr lang="en-US" smtClean="0"/>
-              <a:t>1/3/2025</a:t>
+              <a:t>2/26/2025</a:t>
             </a:fld>
             <a:endParaRPr lang="en-US"/>
           </a:p>
@@ -3356,9 +3356,9 @@
           </a:bodyPr>
           <a:lstStyle/>
           <a:p>
-            <a:pPr algn="ctr"/>
-            <a:r>
-              <a:rPr lang="en-US" sz="8000" b="1" dirty="0" smtClean="0">
+            <a:pPr xmlns:a="http://schemas.openxmlformats.org/drawingml/2006/main" algn="ctr"/>
+            <a:r xmlns:a="http://schemas.openxmlformats.org/drawingml/2006/main">
+              <a:rPr lang="en" sz="8000" b="1" dirty="0" smtClean="0">
                 <a:solidFill>
                   <a:srgbClr val="7030A0"/>
                 </a:solidFill>
@@ -3368,7 +3368,7 @@
               </a:rPr>
               <a:t>Calculate Table</a:t>
             </a:r>
-            <a:endParaRPr lang="en-US" sz="8000" b="1" dirty="0">
+            <a:endParaRPr xmlns:a="http://schemas.openxmlformats.org/drawingml/2006/main" lang="en-US" sz="8000" b="1" dirty="0">
               <a:solidFill>
                 <a:srgbClr val="7030A0"/>
               </a:solidFill>
@@ -3401,9 +3401,9 @@
           </a:bodyPr>
           <a:lstStyle/>
           <a:p>
-            <a:pPr algn="ctr"/>
-            <a:r>
-              <a:rPr lang="en-US" sz="8000" b="1" dirty="0" smtClean="0">
+            <a:pPr xmlns:a="http://schemas.openxmlformats.org/drawingml/2006/main" algn="ctr"/>
+            <a:r xmlns:a="http://schemas.openxmlformats.org/drawingml/2006/main">
+              <a:rPr lang="en" sz="8000" b="1" dirty="0" smtClean="0">
                 <a:solidFill>
                   <a:schemeClr val="bg1"/>
                 </a:solidFill>
@@ -3413,7 +3413,7 @@
               </a:rPr>
               <a:t>Calculate Table</a:t>
             </a:r>
-            <a:endParaRPr lang="en-US" sz="8000" b="1" dirty="0">
+            <a:endParaRPr xmlns:a="http://schemas.openxmlformats.org/drawingml/2006/main" lang="en-US" sz="8000" b="1" dirty="0">
               <a:solidFill>
                 <a:schemeClr val="bg1"/>
               </a:solidFill>
@@ -3463,7 +3463,7 @@
         <p:spPr>
           <a:xfrm>
             <a:off x="309383" y="261257"/>
-            <a:ext cx="2207849" cy="461665"/>
+            <a:ext cx="2353401" cy="461665"/>
           </a:xfrm>
           <a:prstGeom prst="rect">
             <a:avLst/>
@@ -3476,159 +3476,16 @@
           </a:bodyPr>
           <a:lstStyle/>
           <a:p>
-            <a:r>
-              <a:rPr lang="en-US" sz="2400" dirty="0" smtClean="0">
+            <a:r xmlns:a="http://schemas.openxmlformats.org/drawingml/2006/main">
+              <a:rPr lang="en" sz="2400" b="1" dirty="0" smtClean="0">
                 <a:latin typeface="Segoe UI" panose="020B0502040204020203" pitchFamily="34" charset="0"/>
                 <a:cs typeface="Segoe UI" panose="020B0502040204020203" pitchFamily="34" charset="0"/>
               </a:rPr>
               <a:t>Calculate Table</a:t>
             </a:r>
-            <a:endParaRPr lang="en-US" sz="2400" dirty="0">
+            <a:endParaRPr xmlns:a="http://schemas.openxmlformats.org/drawingml/2006/main" lang="en-US" sz="2400" b="1" dirty="0">
               <a:latin typeface="Segoe UI" panose="020B0502040204020203" pitchFamily="34" charset="0"/>
               <a:cs typeface="Segoe UI" panose="020B0502040204020203" pitchFamily="34" charset="0"/>
-            </a:endParaRPr>
-          </a:p>
-        </p:txBody>
-      </p:sp>
-      <p:sp>
-        <p:nvSpPr>
-          <p:cNvPr id="3" name="Rectangle 2"/>
-          <p:cNvSpPr/>
-          <p:nvPr/>
-        </p:nvSpPr>
-        <p:spPr>
-          <a:xfrm>
-            <a:off x="309383" y="796300"/>
-            <a:ext cx="11222217" cy="685059"/>
-          </a:xfrm>
-          <a:prstGeom prst="rect">
-            <a:avLst/>
-          </a:prstGeom>
-        </p:spPr>
-        <p:txBody>
-          <a:bodyPr wrap="square">
-            <a:spAutoFit/>
-          </a:bodyPr>
-          <a:lstStyle/>
-          <a:p>
-            <a:pPr>
-              <a:lnSpc>
-                <a:spcPct val="107000"/>
-              </a:lnSpc>
-              <a:spcBef>
-                <a:spcPts val="1200"/>
-              </a:spcBef>
-              <a:spcAft>
-                <a:spcPts val="0"/>
-              </a:spcAft>
-            </a:pPr>
-            <a:r>
-              <a:rPr lang="en-US" b="1" kern="0" dirty="0" smtClean="0">
-                <a:latin typeface="Segoe UI" panose="020B0502040204020203" pitchFamily="34" charset="0"/>
-                <a:ea typeface="Times New Roman" panose="02020603050405020304" pitchFamily="18" charset="0"/>
-                <a:cs typeface="Times New Roman" panose="02020603050405020304" pitchFamily="18" charset="0"/>
-              </a:rPr>
-              <a:t>Note: This demo uses the AdventureWorks2016 </a:t>
-            </a:r>
-            <a:r>
-              <a:rPr lang="en-US" kern="0" dirty="0" smtClean="0">
-                <a:latin typeface="Segoe UI" panose="020B0502040204020203" pitchFamily="34" charset="0"/>
-                <a:ea typeface="Times New Roman" panose="02020603050405020304" pitchFamily="18" charset="0"/>
-                <a:cs typeface="Times New Roman" panose="02020603050405020304" pitchFamily="18" charset="0"/>
-              </a:rPr>
-              <a:t>database and more specifically the </a:t>
-            </a:r>
-            <a:r>
-              <a:rPr lang="en-US" b="1" kern="0" dirty="0" err="1" smtClean="0">
-                <a:latin typeface="Segoe UI" panose="020B0502040204020203" pitchFamily="34" charset="0"/>
-                <a:ea typeface="Times New Roman" panose="02020603050405020304" pitchFamily="18" charset="0"/>
-                <a:cs typeface="Times New Roman" panose="02020603050405020304" pitchFamily="18" charset="0"/>
-              </a:rPr>
-              <a:t>DimProduct</a:t>
-            </a:r>
-            <a:r>
-              <a:rPr lang="en-US" kern="0" dirty="0" smtClean="0">
-                <a:latin typeface="Segoe UI" panose="020B0502040204020203" pitchFamily="34" charset="0"/>
-                <a:ea typeface="Times New Roman" panose="02020603050405020304" pitchFamily="18" charset="0"/>
-                <a:cs typeface="Times New Roman" panose="02020603050405020304" pitchFamily="18" charset="0"/>
-              </a:rPr>
-              <a:t> and </a:t>
-            </a:r>
-            <a:r>
-              <a:rPr lang="en-US" b="1" kern="0" dirty="0" err="1" smtClean="0">
-                <a:latin typeface="Segoe UI" panose="020B0502040204020203" pitchFamily="34" charset="0"/>
-                <a:ea typeface="Times New Roman" panose="02020603050405020304" pitchFamily="18" charset="0"/>
-                <a:cs typeface="Times New Roman" panose="02020603050405020304" pitchFamily="18" charset="0"/>
-              </a:rPr>
-              <a:t>FactInternetSales</a:t>
-            </a:r>
-            <a:r>
-              <a:rPr lang="en-US" b="1" kern="0" dirty="0" smtClean="0">
-                <a:latin typeface="Segoe UI" panose="020B0502040204020203" pitchFamily="34" charset="0"/>
-                <a:ea typeface="Times New Roman" panose="02020603050405020304" pitchFamily="18" charset="0"/>
-                <a:cs typeface="Times New Roman" panose="02020603050405020304" pitchFamily="18" charset="0"/>
-              </a:rPr>
-              <a:t> table</a:t>
-            </a:r>
-            <a:r>
-              <a:rPr lang="en-US" kern="0" dirty="0" smtClean="0">
-                <a:latin typeface="Segoe UI" panose="020B0502040204020203" pitchFamily="34" charset="0"/>
-                <a:ea typeface="Times New Roman" panose="02020603050405020304" pitchFamily="18" charset="0"/>
-                <a:cs typeface="Times New Roman" panose="02020603050405020304" pitchFamily="18" charset="0"/>
-              </a:rPr>
-              <a:t> </a:t>
-            </a:r>
-            <a:endParaRPr lang="en-US" sz="2800" b="1" kern="0" dirty="0">
-              <a:effectLst/>
-              <a:latin typeface="Segoe UI" panose="020B0502040204020203" pitchFamily="34" charset="0"/>
-              <a:ea typeface="Times New Roman" panose="02020603050405020304" pitchFamily="18" charset="0"/>
-              <a:cs typeface="Times New Roman" panose="02020603050405020304" pitchFamily="18" charset="0"/>
-            </a:endParaRPr>
-          </a:p>
-        </p:txBody>
-      </p:sp>
-      <p:sp>
-        <p:nvSpPr>
-          <p:cNvPr id="4" name="Rectangle 3"/>
-          <p:cNvSpPr/>
-          <p:nvPr/>
-        </p:nvSpPr>
-        <p:spPr>
-          <a:xfrm>
-            <a:off x="309382" y="1554737"/>
-            <a:ext cx="11069817" cy="685059"/>
-          </a:xfrm>
-          <a:prstGeom prst="rect">
-            <a:avLst/>
-          </a:prstGeom>
-        </p:spPr>
-        <p:txBody>
-          <a:bodyPr wrap="square">
-            <a:spAutoFit/>
-          </a:bodyPr>
-          <a:lstStyle/>
-          <a:p>
-            <a:pPr lvl="0">
-              <a:lnSpc>
-                <a:spcPct val="107000"/>
-              </a:lnSpc>
-              <a:spcAft>
-                <a:spcPts val="800"/>
-              </a:spcAft>
-            </a:pPr>
-            <a:r>
-              <a:rPr lang="en-US" dirty="0" smtClean="0">
-                <a:latin typeface="Segoe UI" panose="020B0502040204020203" pitchFamily="34" charset="0"/>
-                <a:ea typeface="Calibri" panose="020F0502020204030204" pitchFamily="34" charset="0"/>
-                <a:cs typeface="Times New Roman" panose="02020603050405020304" pitchFamily="18" charset="0"/>
-              </a:rPr>
-              <a:t>Start by creating a measure that calculates the average amount of turnover achieved corresponding to the product class M</a:t>
-            </a:r>
-            <a:endParaRPr lang="en-US" sz="1400" dirty="0">
-              <a:effectLst/>
-              <a:latin typeface="Calibri" panose="020F0502020204030204" pitchFamily="34" charset="0"/>
-              <a:ea typeface="Calibri" panose="020F0502020204030204" pitchFamily="34" charset="0"/>
-              <a:cs typeface="Times New Roman" panose="02020603050405020304" pitchFamily="18" charset="0"/>
             </a:endParaRPr>
           </a:p>
         </p:txBody>
@@ -3654,28 +3511,28 @@
           </a:bodyPr>
           <a:lstStyle/>
           <a:p>
-            <a:r>
-              <a:rPr lang="en-US" dirty="0">
+            <a:r xmlns:a="http://schemas.openxmlformats.org/drawingml/2006/main">
+              <a:rPr lang="en" dirty="0">
                 <a:solidFill>
                   <a:srgbClr val="000000"/>
                 </a:solidFill>
                 <a:latin typeface="Consolas" panose="020B0609020204030204" pitchFamily="49" charset="0"/>
               </a:rPr>
-              <a:t>AVG Sales Class M = </a:t>
-            </a:r>
-          </a:p>
-          <a:p>
-            <a:r>
-              <a:rPr lang="en-US" dirty="0">
+              <a:t>AVG Sales Class M =</a:t>
+            </a:r>
+          </a:p>
+          <a:p>
+            <a:r xmlns:a="http://schemas.openxmlformats.org/drawingml/2006/main">
+              <a:rPr lang="en" dirty="0">
                 <a:solidFill>
                   <a:srgbClr val="3165BB"/>
                 </a:solidFill>
                 <a:latin typeface="Consolas" panose="020B0609020204030204" pitchFamily="49" charset="0"/>
               </a:rPr>
-              <a:t>CALCULATE</a:t>
-            </a:r>
-            <a:r>
-              <a:rPr lang="en-US" dirty="0">
+              <a:t>CALCULATE </a:t>
+            </a:r>
+            <a:r xmlns:a="http://schemas.openxmlformats.org/drawingml/2006/main">
+              <a:rPr lang="en" dirty="0">
                 <a:solidFill>
                   <a:srgbClr val="000000"/>
                 </a:solidFill>
@@ -3685,8 +3542,8 @@
             </a:r>
           </a:p>
           <a:p>
-            <a:r>
-              <a:rPr lang="en-US" dirty="0">
+            <a:r xmlns:a="http://schemas.openxmlformats.org/drawingml/2006/main">
+              <a:rPr lang="en" dirty="0">
                 <a:solidFill>
                   <a:srgbClr val="000000"/>
                 </a:solidFill>
@@ -3694,62 +3551,62 @@
               </a:rPr>
               <a:t>    </a:t>
             </a:r>
-            <a:r>
-              <a:rPr lang="en-US" dirty="0">
+            <a:r xmlns:a="http://schemas.openxmlformats.org/drawingml/2006/main">
+              <a:rPr lang="en" dirty="0">
                 <a:solidFill>
                   <a:srgbClr val="3165BB"/>
                 </a:solidFill>
                 <a:latin typeface="Consolas" panose="020B0609020204030204" pitchFamily="49" charset="0"/>
               </a:rPr>
-              <a:t>AVERAGE</a:t>
-            </a:r>
-            <a:r>
-              <a:rPr lang="en-US" dirty="0">
+              <a:t>AVERAGE </a:t>
+            </a:r>
+            <a:r xmlns:a="http://schemas.openxmlformats.org/drawingml/2006/main">
+              <a:rPr lang="en" dirty="0">
                 <a:solidFill>
                   <a:srgbClr val="000000"/>
                 </a:solidFill>
                 <a:latin typeface="Consolas" panose="020B0609020204030204" pitchFamily="49" charset="0"/>
               </a:rPr>
-              <a:t>(</a:t>
-            </a:r>
-            <a:r>
-              <a:rPr lang="en-US" dirty="0" err="1">
+              <a:t>( </a:t>
+            </a:r>
+            <a:r xmlns:a="http://schemas.openxmlformats.org/drawingml/2006/main">
+              <a:rPr lang="en" dirty="0" err="1">
                 <a:solidFill>
                   <a:srgbClr val="001080"/>
                 </a:solidFill>
                 <a:latin typeface="Consolas" panose="020B0609020204030204" pitchFamily="49" charset="0"/>
               </a:rPr>
-              <a:t>FactInternetSales</a:t>
-            </a:r>
-            <a:r>
-              <a:rPr lang="en-US" dirty="0">
+              <a:t>FactInternetSales </a:t>
+            </a:r>
+            <a:r xmlns:a="http://schemas.openxmlformats.org/drawingml/2006/main">
+              <a:rPr lang="en" dirty="0">
                 <a:solidFill>
                   <a:srgbClr val="001080"/>
                 </a:solidFill>
                 <a:latin typeface="Consolas" panose="020B0609020204030204" pitchFamily="49" charset="0"/>
               </a:rPr>
-              <a:t>[</a:t>
-            </a:r>
-            <a:r>
-              <a:rPr lang="en-US" dirty="0" err="1">
+              <a:t>[ </a:t>
+            </a:r>
+            <a:r xmlns:a="http://schemas.openxmlformats.org/drawingml/2006/main">
+              <a:rPr lang="en" dirty="0" err="1">
                 <a:solidFill>
                   <a:srgbClr val="001080"/>
                 </a:solidFill>
                 <a:latin typeface="Consolas" panose="020B0609020204030204" pitchFamily="49" charset="0"/>
               </a:rPr>
-              <a:t>OrderQuantity</a:t>
-            </a:r>
-            <a:r>
-              <a:rPr lang="en-US" dirty="0">
+              <a:t>OrderQuantity </a:t>
+            </a:r>
+            <a:r xmlns:a="http://schemas.openxmlformats.org/drawingml/2006/main">
+              <a:rPr lang="en" dirty="0">
                 <a:solidFill>
                   <a:srgbClr val="001080"/>
                 </a:solidFill>
                 <a:latin typeface="Consolas" panose="020B0609020204030204" pitchFamily="49" charset="0"/>
               </a:rPr>
-              <a:t>]</a:t>
-            </a:r>
-            <a:r>
-              <a:rPr lang="en-US" dirty="0">
+              <a:t>] </a:t>
+            </a:r>
+            <a:r xmlns:a="http://schemas.openxmlformats.org/drawingml/2006/main">
+              <a:rPr lang="en" dirty="0">
                 <a:solidFill>
                   <a:srgbClr val="000000"/>
                 </a:solidFill>
@@ -3757,71 +3614,71 @@
               </a:rPr>
               <a:t>) </a:t>
             </a:r>
-            <a:r>
-              <a:rPr lang="en-US" dirty="0" smtClean="0">
+            <a:r xmlns:a="http://schemas.openxmlformats.org/drawingml/2006/main">
+              <a:rPr lang="en" dirty="0" smtClean="0">
                 <a:solidFill>
                   <a:srgbClr val="000000"/>
                 </a:solidFill>
                 <a:latin typeface="Consolas" panose="020B0609020204030204" pitchFamily="49" charset="0"/>
               </a:rPr>
-              <a:t>*</a:t>
-            </a:r>
-            <a:r>
-              <a:rPr lang="en-US" dirty="0" smtClean="0">
+              <a:t>* </a:t>
+            </a:r>
+            <a:r xmlns:a="http://schemas.openxmlformats.org/drawingml/2006/main">
+              <a:rPr lang="en" dirty="0" smtClean="0">
                 <a:solidFill>
                   <a:srgbClr val="3165BB"/>
                 </a:solidFill>
                 <a:latin typeface="Consolas" panose="020B0609020204030204" pitchFamily="49" charset="0"/>
               </a:rPr>
-              <a:t>AVERAGE</a:t>
-            </a:r>
-            <a:r>
-              <a:rPr lang="en-US" dirty="0" smtClean="0">
+              <a:t>AVERAGE </a:t>
+            </a:r>
+            <a:r xmlns:a="http://schemas.openxmlformats.org/drawingml/2006/main">
+              <a:rPr lang="en" dirty="0" smtClean="0">
                 <a:solidFill>
                   <a:srgbClr val="000000"/>
                 </a:solidFill>
                 <a:latin typeface="Consolas" panose="020B0609020204030204" pitchFamily="49" charset="0"/>
               </a:rPr>
-              <a:t>(</a:t>
-            </a:r>
-            <a:r>
-              <a:rPr lang="en-US" dirty="0" err="1" smtClean="0">
+              <a:t>( </a:t>
+            </a:r>
+            <a:r xmlns:a="http://schemas.openxmlformats.org/drawingml/2006/main">
+              <a:rPr lang="en" dirty="0" err="1" smtClean="0">
                 <a:solidFill>
                   <a:srgbClr val="001080"/>
                 </a:solidFill>
                 <a:latin typeface="Consolas" panose="020B0609020204030204" pitchFamily="49" charset="0"/>
               </a:rPr>
-              <a:t>FactInternetSales</a:t>
-            </a:r>
-            <a:r>
-              <a:rPr lang="en-US" dirty="0" smtClean="0">
+              <a:t>FactInternetSales </a:t>
+            </a:r>
+            <a:r xmlns:a="http://schemas.openxmlformats.org/drawingml/2006/main">
+              <a:rPr lang="en" dirty="0" smtClean="0">
                 <a:solidFill>
                   <a:srgbClr val="001080"/>
                 </a:solidFill>
                 <a:latin typeface="Consolas" panose="020B0609020204030204" pitchFamily="49" charset="0"/>
               </a:rPr>
-              <a:t>[</a:t>
-            </a:r>
-            <a:r>
-              <a:rPr lang="en-US" dirty="0" err="1" smtClean="0">
+              <a:t>[ </a:t>
+            </a:r>
+            <a:r xmlns:a="http://schemas.openxmlformats.org/drawingml/2006/main">
+              <a:rPr lang="en" dirty="0" err="1" smtClean="0">
                 <a:solidFill>
                   <a:srgbClr val="001080"/>
                 </a:solidFill>
                 <a:latin typeface="Consolas" panose="020B0609020204030204" pitchFamily="49" charset="0"/>
               </a:rPr>
-              <a:t>UnitPrice</a:t>
-            </a:r>
-            <a:r>
-              <a:rPr lang="en-US" dirty="0">
+              <a:t>UnitPrice </a:t>
+            </a:r>
+            <a:r xmlns:a="http://schemas.openxmlformats.org/drawingml/2006/main">
+              <a:rPr lang="en" dirty="0">
                 <a:solidFill>
                   <a:srgbClr val="001080"/>
                 </a:solidFill>
                 <a:latin typeface="Consolas" panose="020B0609020204030204" pitchFamily="49" charset="0"/>
               </a:rPr>
-              <a:t>]</a:t>
-            </a:r>
-            <a:r>
-              <a:rPr lang="en-US" dirty="0">
+              <a:t>] </a:t>
+            </a:r>
+            <a:r xmlns:a="http://schemas.openxmlformats.org/drawingml/2006/main">
+              <a:rPr lang="en" dirty="0">
                 <a:solidFill>
                   <a:srgbClr val="000000"/>
                 </a:solidFill>
@@ -3831,8 +3688,8 @@
             </a:r>
           </a:p>
           <a:p>
-            <a:r>
-              <a:rPr lang="en-US" dirty="0">
+            <a:r xmlns:a="http://schemas.openxmlformats.org/drawingml/2006/main">
+              <a:rPr lang="en" dirty="0">
                 <a:solidFill>
                   <a:srgbClr val="000000"/>
                 </a:solidFill>
@@ -3840,35 +3697,35 @@
               </a:rPr>
               <a:t>    </a:t>
             </a:r>
-            <a:r>
-              <a:rPr lang="en-US" dirty="0" err="1">
+            <a:r xmlns:a="http://schemas.openxmlformats.org/drawingml/2006/main">
+              <a:rPr lang="en" dirty="0" err="1">
                 <a:solidFill>
                   <a:srgbClr val="001080"/>
                 </a:solidFill>
                 <a:latin typeface="Consolas" panose="020B0609020204030204" pitchFamily="49" charset="0"/>
               </a:rPr>
-              <a:t>DimProduct</a:t>
-            </a:r>
-            <a:r>
-              <a:rPr lang="en-US" dirty="0">
+              <a:t>DimProduct </a:t>
+            </a:r>
+            <a:r xmlns:a="http://schemas.openxmlformats.org/drawingml/2006/main">
+              <a:rPr lang="en" dirty="0">
                 <a:solidFill>
                   <a:srgbClr val="001080"/>
                 </a:solidFill>
                 <a:latin typeface="Consolas" panose="020B0609020204030204" pitchFamily="49" charset="0"/>
               </a:rPr>
-              <a:t>[Class]</a:t>
-            </a:r>
-            <a:r>
-              <a:rPr lang="en-US" dirty="0">
+              <a:t>[Class] </a:t>
+            </a:r>
+            <a:r xmlns:a="http://schemas.openxmlformats.org/drawingml/2006/main">
+              <a:rPr lang="en" dirty="0">
                 <a:solidFill>
                   <a:srgbClr val="000000"/>
                 </a:solidFill>
                 <a:latin typeface="Consolas" panose="020B0609020204030204" pitchFamily="49" charset="0"/>
               </a:rPr>
-              <a:t> = </a:t>
-            </a:r>
-            <a:r>
-              <a:rPr lang="en-US" dirty="0">
+              <a:t>= </a:t>
+            </a:r>
+            <a:r xmlns:a="http://schemas.openxmlformats.org/drawingml/2006/main">
+              <a:rPr lang="en" dirty="0">
                 <a:solidFill>
                   <a:srgbClr val="A31515"/>
                 </a:solidFill>
@@ -3876,7 +3733,7 @@
               </a:rPr>
               <a:t>"M"</a:t>
             </a:r>
-            <a:endParaRPr lang="en-US" dirty="0">
+            <a:endParaRPr xmlns:a="http://schemas.openxmlformats.org/drawingml/2006/main" lang="en-US" dirty="0">
               <a:solidFill>
                 <a:srgbClr val="000000"/>
               </a:solidFill>
@@ -3884,8 +3741,8 @@
             </a:endParaRPr>
           </a:p>
           <a:p>
-            <a:r>
-              <a:rPr lang="en-US" dirty="0">
+            <a:r xmlns:a="http://schemas.openxmlformats.org/drawingml/2006/main">
+              <a:rPr lang="en" dirty="0">
                 <a:solidFill>
                   <a:srgbClr val="000000"/>
                 </a:solidFill>
@@ -3893,13 +3750,99 @@
               </a:rPr>
               <a:t>)</a:t>
             </a:r>
-            <a:endParaRPr lang="en-US" b="0" dirty="0">
+            <a:endParaRPr xmlns:a="http://schemas.openxmlformats.org/drawingml/2006/main" lang="en-US" b="0" dirty="0">
               <a:solidFill>
                 <a:srgbClr val="000000"/>
               </a:solidFill>
               <a:effectLst/>
               <a:latin typeface="Consolas" panose="020B0609020204030204" pitchFamily="49" charset="0"/>
             </a:endParaRPr>
+          </a:p>
+        </p:txBody>
+      </p:sp>
+      <p:sp>
+        <p:nvSpPr>
+          <p:cNvPr id="5" name="Rectangle 4"/>
+          <p:cNvSpPr/>
+          <p:nvPr/>
+        </p:nvSpPr>
+        <p:spPr>
+          <a:xfrm>
+            <a:off x="309381" y="722922"/>
+            <a:ext cx="10601329" cy="646331"/>
+          </a:xfrm>
+          <a:prstGeom prst="rect">
+            <a:avLst/>
+          </a:prstGeom>
+        </p:spPr>
+        <p:txBody>
+          <a:bodyPr wrap="square">
+            <a:spAutoFit/>
+          </a:bodyPr>
+          <a:lstStyle/>
+          <a:p>
+            <a:r xmlns:a="http://schemas.openxmlformats.org/drawingml/2006/main">
+              <a:rPr lang="en" b="1" dirty="0"/>
+              <a:t>Note: </a:t>
+            </a:r>
+            <a:r xmlns:a="http://schemas.openxmlformats.org/drawingml/2006/main">
+              <a:rPr lang="en" dirty="0"/>
+              <a:t>This demonstration uses the AdventureWorks2016 database and more specifically the </a:t>
+            </a:r>
+            <a:r xmlns:a="http://schemas.openxmlformats.org/drawingml/2006/main">
+              <a:rPr lang="en" b="1" dirty="0" err="1"/>
+              <a:t>DimProduct </a:t>
+            </a:r>
+            <a:r xmlns:a="http://schemas.openxmlformats.org/drawingml/2006/main">
+              <a:rPr lang="en" dirty="0"/>
+              <a:t>and </a:t>
+            </a:r>
+            <a:r xmlns:a="http://schemas.openxmlformats.org/drawingml/2006/main">
+              <a:rPr lang="en" b="1" dirty="0" err="1"/>
+              <a:t>FactInternetSales tables </a:t>
+            </a:r>
+            <a:r xmlns:a="http://schemas.openxmlformats.org/drawingml/2006/main">
+              <a:rPr lang="en" dirty="0"/>
+              <a:t>.</a:t>
+            </a:r>
+            <a:endParaRPr xmlns:a="http://schemas.openxmlformats.org/drawingml/2006/main" lang="en-US" dirty="0"/>
+          </a:p>
+        </p:txBody>
+      </p:sp>
+      <p:sp>
+        <p:nvSpPr>
+          <p:cNvPr id="7" name="Rectangle 6"/>
+          <p:cNvSpPr/>
+          <p:nvPr/>
+        </p:nvSpPr>
+        <p:spPr>
+          <a:xfrm>
+            <a:off x="355600" y="1430348"/>
+            <a:ext cx="10622844" cy="646331"/>
+          </a:xfrm>
+          <a:prstGeom prst="rect">
+            <a:avLst/>
+          </a:prstGeom>
+        </p:spPr>
+        <p:txBody>
+          <a:bodyPr wrap="square">
+            <a:spAutoFit/>
+          </a:bodyPr>
+          <a:lstStyle/>
+          <a:p>
+            <a:r xmlns:a="http://schemas.openxmlformats.org/drawingml/2006/main">
+              <a:rPr lang="en" dirty="0"/>
+              <a:t>Start by creating a measure that calculates the average amount of revenue generated corresponding to the product class </a:t>
+            </a:r>
+            <a:r xmlns:a="http://schemas.openxmlformats.org/drawingml/2006/main">
+              <a:rPr lang="en" b="1" dirty="0"/>
+              <a:t>"M" </a:t>
+            </a:r>
+            <a:r xmlns:a="http://schemas.openxmlformats.org/drawingml/2006/main">
+              <a:rPr lang="en" dirty="0"/>
+              <a:t>.</a:t>
+            </a:r>
+            <a:endParaRPr xmlns:a="http://schemas.openxmlformats.org/drawingml/2006/main" lang="en-US" dirty="0"/>
           </a:p>
         </p:txBody>
       </p:sp>
@@ -3966,7 +3909,7 @@
         <p:spPr>
           <a:xfrm>
             <a:off x="309383" y="261257"/>
-            <a:ext cx="2207849" cy="461665"/>
+            <a:ext cx="2353401" cy="461665"/>
           </a:xfrm>
           <a:prstGeom prst="rect">
             <a:avLst/>
@@ -3979,102 +3922,16 @@
           </a:bodyPr>
           <a:lstStyle/>
           <a:p>
-            <a:r>
-              <a:rPr lang="en-US" sz="2400" dirty="0" smtClean="0">
+            <a:r xmlns:a="http://schemas.openxmlformats.org/drawingml/2006/main">
+              <a:rPr lang="en" sz="2400" b="1" dirty="0" smtClean="0">
                 <a:latin typeface="Segoe UI" panose="020B0502040204020203" pitchFamily="34" charset="0"/>
                 <a:cs typeface="Segoe UI" panose="020B0502040204020203" pitchFamily="34" charset="0"/>
               </a:rPr>
               <a:t>Calculate Table</a:t>
             </a:r>
-            <a:endParaRPr lang="en-US" sz="2400" dirty="0">
+            <a:endParaRPr xmlns:a="http://schemas.openxmlformats.org/drawingml/2006/main" lang="en-US" sz="2400" b="1" dirty="0">
               <a:latin typeface="Segoe UI" panose="020B0502040204020203" pitchFamily="34" charset="0"/>
               <a:cs typeface="Segoe UI" panose="020B0502040204020203" pitchFamily="34" charset="0"/>
-            </a:endParaRPr>
-          </a:p>
-        </p:txBody>
-      </p:sp>
-      <p:sp>
-        <p:nvSpPr>
-          <p:cNvPr id="10" name="Rectangle 9"/>
-          <p:cNvSpPr/>
-          <p:nvPr/>
-        </p:nvSpPr>
-        <p:spPr>
-          <a:xfrm>
-            <a:off x="371542" y="835763"/>
-            <a:ext cx="4114844" cy="373692"/>
-          </a:xfrm>
-          <a:prstGeom prst="rect">
-            <a:avLst/>
-          </a:prstGeom>
-        </p:spPr>
-        <p:txBody>
-          <a:bodyPr wrap="none">
-            <a:spAutoFit/>
-          </a:bodyPr>
-          <a:lstStyle/>
-          <a:p>
-            <a:pPr lvl="0">
-              <a:lnSpc>
-                <a:spcPct val="107000"/>
-              </a:lnSpc>
-              <a:spcAft>
-                <a:spcPts val="800"/>
-              </a:spcAft>
-            </a:pPr>
-            <a:r>
-              <a:rPr lang="fr-FR" dirty="0">
-                <a:latin typeface="Segoe UI" panose="020B0502040204020203" pitchFamily="34" charset="0"/>
-                <a:ea typeface="Calibri" panose="020F0502020204030204" pitchFamily="34" charset="0"/>
-                <a:cs typeface="Times New Roman" panose="02020603050405020304" pitchFamily="18" charset="0"/>
-              </a:rPr>
-              <a:t>In the </a:t>
-            </a:r>
-            <a:r>
-              <a:rPr lang="fr-FR" b="1" dirty="0" err="1">
-                <a:latin typeface="Segoe UI" panose="020B0502040204020203" pitchFamily="34" charset="0"/>
-                <a:ea typeface="Calibri" panose="020F0502020204030204" pitchFamily="34" charset="0"/>
-                <a:cs typeface="Times New Roman" panose="02020603050405020304" pitchFamily="18" charset="0"/>
-              </a:rPr>
-              <a:t>Modeling</a:t>
-            </a:r>
-            <a:r>
-              <a:rPr lang="fr-FR" b="1" dirty="0">
-                <a:latin typeface="Segoe UI" panose="020B0502040204020203" pitchFamily="34" charset="0"/>
-                <a:ea typeface="Calibri" panose="020F0502020204030204" pitchFamily="34" charset="0"/>
-                <a:cs typeface="Times New Roman" panose="02020603050405020304" pitchFamily="18" charset="0"/>
-              </a:rPr>
-              <a:t> tab, </a:t>
-            </a:r>
-            <a:r>
-              <a:rPr lang="fr-FR" dirty="0">
-                <a:latin typeface="Segoe UI" panose="020B0502040204020203" pitchFamily="34" charset="0"/>
-                <a:ea typeface="Calibri" panose="020F0502020204030204" pitchFamily="34" charset="0"/>
-                <a:cs typeface="Times New Roman" panose="02020603050405020304" pitchFamily="18" charset="0"/>
-              </a:rPr>
-              <a:t>click </a:t>
-            </a:r>
-            <a:r>
-              <a:rPr lang="fr-FR" b="1" dirty="0">
-                <a:latin typeface="Segoe UI" panose="020B0502040204020203" pitchFamily="34" charset="0"/>
-                <a:ea typeface="Calibri" panose="020F0502020204030204" pitchFamily="34" charset="0"/>
-                <a:cs typeface="Times New Roman" panose="02020603050405020304" pitchFamily="18" charset="0"/>
-              </a:rPr>
-              <a:t>New Table</a:t>
-            </a:r>
-            <a:r>
-              <a:rPr lang="fr-FR" dirty="0">
-                <a:latin typeface="Segoe UI" panose="020B0502040204020203" pitchFamily="34" charset="0"/>
-                <a:ea typeface="Calibri" panose="020F0502020204030204" pitchFamily="34" charset="0"/>
-                <a:cs typeface="Times New Roman" panose="02020603050405020304" pitchFamily="18" charset="0"/>
-              </a:rPr>
-              <a:t> </a:t>
-            </a:r>
-            <a:endParaRPr lang="en-US" sz="1400" dirty="0">
-              <a:effectLst/>
-              <a:latin typeface="Calibri" panose="020F0502020204030204" pitchFamily="34" charset="0"/>
-              <a:ea typeface="Calibri" panose="020F0502020204030204" pitchFamily="34" charset="0"/>
-              <a:cs typeface="Times New Roman" panose="02020603050405020304" pitchFamily="18" charset="0"/>
             </a:endParaRPr>
           </a:p>
         </p:txBody>
@@ -4127,6 +3984,97 @@
           </a:p>
         </p:txBody>
       </p:sp>
+      <p:sp>
+        <p:nvSpPr>
+          <p:cNvPr id="3" name="Rectangle 1"/>
+          <p:cNvSpPr>
+            <a:spLocks noChangeArrowheads="1"/>
+          </p:cNvSpPr>
+          <p:nvPr/>
+        </p:nvSpPr>
+        <p:spPr bwMode="auto">
+          <a:xfrm>
+            <a:off x="371542" y="766856"/>
+            <a:ext cx="5645436" cy="369332"/>
+          </a:xfrm>
+          <a:prstGeom prst="rect">
+            <a:avLst/>
+          </a:prstGeom>
+          <a:noFill/>
+          <a:ln>
+            <a:noFill/>
+          </a:ln>
+          <a:effectLst/>
+          <a:extLst>
+            <a:ext uri="{909E8E84-426E-40DD-AFC4-6F175D3DCCD1}">
+              <a14:hiddenFill xmlns:a14="http://schemas.microsoft.com/office/drawing/2010/main">
+                <a:solidFill>
+                  <a:schemeClr val="accent1"/>
+                </a:solidFill>
+              </a14:hiddenFill>
+            </a:ext>
+            <a:ext uri="{91240B29-F687-4F45-9708-019B960494DF}">
+              <a14:hiddenLine xmlns:a14="http://schemas.microsoft.com/office/drawing/2010/main" w="9525">
+                <a:solidFill>
+                  <a:schemeClr val="tx1"/>
+                </a:solidFill>
+                <a:miter lim="800000"/>
+                <a:headEnd/>
+                <a:tailEnd/>
+              </a14:hiddenLine>
+            </a:ext>
+            <a:ext uri="{AF507438-7753-43E0-B8FC-AC1667EBCBE1}">
+              <a14:hiddenEffects xmlns:a14="http://schemas.microsoft.com/office/drawing/2010/main">
+                <a:effectLst>
+                  <a:outerShdw dist="35921" dir="2700000" algn="ctr" rotWithShape="0">
+                    <a:schemeClr val="bg2"/>
+                  </a:outerShdw>
+                </a:effectLst>
+              </a14:hiddenEffects>
+            </a:ext>
+          </a:extLst>
+        </p:spPr>
+        <p:txBody>
+          <a:bodyPr vert="horz" wrap="square" lIns="91440" tIns="45720" rIns="91440" bIns="45720" numCol="1" anchor="ctr" anchorCtr="0" compatLnSpc="1">
+            <a:prstTxWarp prst="textNoShape">
+              <a:avLst/>
+            </a:prstTxWarp>
+            <a:spAutoFit/>
+          </a:bodyPr>
+          <a:lstStyle/>
+          <a:p>
+            <a:pPr xmlns:a="http://schemas.openxmlformats.org/drawingml/2006/main" marL="0" marR="0" lvl="0" indent="0" algn="l" defTabSz="914400" rtl="0" eaLnBrk="0" fontAlgn="base" latinLnBrk="0" hangingPunct="0">
+              <a:lnSpc>
+                <a:spcPct val="100000"/>
+              </a:lnSpc>
+              <a:spcBef>
+                <a:spcPct val="0"/>
+              </a:spcBef>
+              <a:spcAft>
+                <a:spcPct val="0"/>
+              </a:spcAft>
+              <a:buClrTx/>
+              <a:buSzTx/>
+              <a:buFontTx/>
+              <a:buNone/>
+              <a:tabLst/>
+            </a:pPr>
+            <a:r xmlns:a="http://schemas.openxmlformats.org/drawingml/2006/main">
+              <a:rPr kumimoji="0" lang="en" altLang="en-US" sz="1800" b="0" i="0" u="none" strike="noStrike" cap="none" normalizeH="0" baseline="0" smtClean="0">
+                <a:ln>
+                  <a:noFill/>
+                </a:ln>
+                <a:solidFill>
+                  <a:schemeClr val="tx1"/>
+                </a:solidFill>
+                <a:effectLst/>
+                <a:latin typeface="Arial" panose="020B0604020202020204" pitchFamily="34" charset="0"/>
+              </a:rPr>
+              <a:t>In the Modeling tab, click New Table.</a:t>
+            </a:r>
+          </a:p>
+        </p:txBody>
+      </p:sp>
     </p:spTree>
     <p:extLst>
       <p:ext uri="{BB962C8B-B14F-4D97-AF65-F5344CB8AC3E}">
@@ -4166,7 +4114,7 @@
         <p:spPr>
           <a:xfrm>
             <a:off x="309383" y="261257"/>
-            <a:ext cx="2207849" cy="461665"/>
+            <a:ext cx="2353401" cy="461665"/>
           </a:xfrm>
           <a:prstGeom prst="rect">
             <a:avLst/>
@@ -4179,147 +4127,17 @@
           </a:bodyPr>
           <a:lstStyle/>
           <a:p>
-            <a:r>
-              <a:rPr lang="en-US" sz="2400" dirty="0" smtClean="0">
+            <a:r xmlns:a="http://schemas.openxmlformats.org/drawingml/2006/main">
+              <a:rPr lang="en" sz="2400" b="1" dirty="0" smtClean="0">
                 <a:latin typeface="Segoe UI" panose="020B0502040204020203" pitchFamily="34" charset="0"/>
                 <a:cs typeface="Segoe UI" panose="020B0502040204020203" pitchFamily="34" charset="0"/>
               </a:rPr>
               <a:t>Calculate Table</a:t>
             </a:r>
-            <a:endParaRPr lang="en-US" sz="2400" dirty="0">
+            <a:endParaRPr xmlns:a="http://schemas.openxmlformats.org/drawingml/2006/main" lang="en-US" sz="2400" b="1" dirty="0">
               <a:latin typeface="Segoe UI" panose="020B0502040204020203" pitchFamily="34" charset="0"/>
               <a:cs typeface="Segoe UI" panose="020B0502040204020203" pitchFamily="34" charset="0"/>
             </a:endParaRPr>
-          </a:p>
-        </p:txBody>
-      </p:sp>
-      <p:sp>
-        <p:nvSpPr>
-          <p:cNvPr id="5" name="Rectangle 4"/>
-          <p:cNvSpPr/>
-          <p:nvPr/>
-        </p:nvSpPr>
-        <p:spPr>
-          <a:xfrm>
-            <a:off x="383822" y="868205"/>
-            <a:ext cx="10634134" cy="388696"/>
-          </a:xfrm>
-          <a:prstGeom prst="rect">
-            <a:avLst/>
-          </a:prstGeom>
-        </p:spPr>
-        <p:txBody>
-          <a:bodyPr wrap="square">
-            <a:spAutoFit/>
-          </a:bodyPr>
-          <a:lstStyle/>
-          <a:p>
-            <a:pPr lvl="0">
-              <a:lnSpc>
-                <a:spcPct val="107000"/>
-              </a:lnSpc>
-              <a:spcAft>
-                <a:spcPts val="800"/>
-              </a:spcAft>
-            </a:pPr>
-            <a:r>
-              <a:rPr lang="en-US" dirty="0" smtClean="0">
-                <a:latin typeface="Segoe UI" panose="020B0502040204020203" pitchFamily="34" charset="0"/>
-                <a:ea typeface="Calibri" panose="020F0502020204030204" pitchFamily="34" charset="0"/>
-                <a:cs typeface="Times New Roman" panose="02020603050405020304" pitchFamily="18" charset="0"/>
-              </a:rPr>
-              <a:t>Create a view of the </a:t>
-            </a:r>
-            <a:r>
-              <a:rPr lang="en-US" b="1" dirty="0" err="1" smtClean="0">
-                <a:latin typeface="Segoe UI" panose="020B0502040204020203" pitchFamily="34" charset="0"/>
-                <a:ea typeface="Calibri" panose="020F0502020204030204" pitchFamily="34" charset="0"/>
-                <a:cs typeface="Times New Roman" panose="02020603050405020304" pitchFamily="18" charset="0"/>
-              </a:rPr>
-              <a:t>DimProduct</a:t>
-            </a:r>
-            <a:r>
-              <a:rPr lang="en-US" b="1" dirty="0" smtClean="0">
-                <a:latin typeface="Segoe UI" panose="020B0502040204020203" pitchFamily="34" charset="0"/>
-                <a:ea typeface="Calibri" panose="020F0502020204030204" pitchFamily="34" charset="0"/>
-                <a:cs typeface="Times New Roman" panose="02020603050405020304" pitchFamily="18" charset="0"/>
-              </a:rPr>
-              <a:t> table </a:t>
-            </a:r>
-            <a:r>
-              <a:rPr lang="en-US" dirty="0" smtClean="0">
-                <a:latin typeface="Segoe UI" panose="020B0502040204020203" pitchFamily="34" charset="0"/>
-                <a:ea typeface="Calibri" panose="020F0502020204030204" pitchFamily="34" charset="0"/>
-                <a:cs typeface="Times New Roman" panose="02020603050405020304" pitchFamily="18" charset="0"/>
-              </a:rPr>
-              <a:t>that leaves only products with a tax value greater than 1</a:t>
-            </a:r>
-            <a:endParaRPr lang="en-US" sz="1400" dirty="0">
-              <a:effectLst/>
-              <a:latin typeface="Calibri" panose="020F0502020204030204" pitchFamily="34" charset="0"/>
-              <a:ea typeface="Calibri" panose="020F0502020204030204" pitchFamily="34" charset="0"/>
-              <a:cs typeface="Times New Roman" panose="02020603050405020304" pitchFamily="18" charset="0"/>
-            </a:endParaRPr>
-          </a:p>
-        </p:txBody>
-      </p:sp>
-      <p:sp>
-        <p:nvSpPr>
-          <p:cNvPr id="6" name="Rectangle 5"/>
-          <p:cNvSpPr/>
-          <p:nvPr/>
-        </p:nvSpPr>
-        <p:spPr>
-          <a:xfrm>
-            <a:off x="383822" y="2329512"/>
-            <a:ext cx="11610623" cy="646331"/>
-          </a:xfrm>
-          <a:prstGeom prst="rect">
-            <a:avLst/>
-          </a:prstGeom>
-        </p:spPr>
-        <p:txBody>
-          <a:bodyPr wrap="square">
-            <a:spAutoFit/>
-          </a:bodyPr>
-          <a:lstStyle/>
-          <a:p>
-            <a:r>
-              <a:rPr lang="en-US" dirty="0" smtClean="0">
-                <a:latin typeface="Segoe UI" panose="020B0502040204020203" pitchFamily="34" charset="0"/>
-                <a:ea typeface="Calibri" panose="020F0502020204030204" pitchFamily="34" charset="0"/>
-              </a:rPr>
-              <a:t>Conclude that the </a:t>
-            </a:r>
-            <a:r>
-              <a:rPr lang="en-US" b="1" dirty="0" smtClean="0">
-                <a:latin typeface="Segoe UI" panose="020B0502040204020203" pitchFamily="34" charset="0"/>
-                <a:ea typeface="Calibri" panose="020F0502020204030204" pitchFamily="34" charset="0"/>
-              </a:rPr>
-              <a:t>Calculate function </a:t>
-            </a:r>
-            <a:r>
-              <a:rPr lang="en-US" dirty="0" smtClean="0">
-                <a:latin typeface="Segoe UI" panose="020B0502040204020203" pitchFamily="34" charset="0"/>
-                <a:ea typeface="Calibri" panose="020F0502020204030204" pitchFamily="34" charset="0"/>
-              </a:rPr>
-              <a:t>is used to calculate calculated measures and columns however </a:t>
-            </a:r>
-            <a:r>
-              <a:rPr lang="en-US" b="1" dirty="0" err="1" smtClean="0">
-                <a:latin typeface="Segoe UI" panose="020B0502040204020203" pitchFamily="34" charset="0"/>
-                <a:ea typeface="Calibri" panose="020F0502020204030204" pitchFamily="34" charset="0"/>
-              </a:rPr>
-              <a:t>CalculateTable</a:t>
-            </a:r>
-            <a:r>
-              <a:rPr lang="en-US" dirty="0" smtClean="0">
-                <a:latin typeface="Segoe UI" panose="020B0502040204020203" pitchFamily="34" charset="0"/>
-                <a:ea typeface="Calibri" panose="020F0502020204030204" pitchFamily="34" charset="0"/>
-              </a:rPr>
-              <a:t> is used to create filtered views</a:t>
-            </a:r>
-            <a:endParaRPr lang="en-US" dirty="0"/>
           </a:p>
         </p:txBody>
       </p:sp>
@@ -4344,107 +4162,71 @@
           </a:bodyPr>
           <a:lstStyle/>
           <a:p>
-            <a:r>
-              <a:rPr lang="en-US" dirty="0" err="1">
+            <a:r xmlns:a="http://schemas.openxmlformats.org/drawingml/2006/main">
+              <a:rPr lang="en" dirty="0" err="1">
                 <a:solidFill>
                   <a:srgbClr val="000000"/>
                 </a:solidFill>
                 <a:latin typeface="Consolas" panose="020B0609020204030204" pitchFamily="49" charset="0"/>
               </a:rPr>
-              <a:t>DimProduct</a:t>
-            </a:r>
-            <a:r>
-              <a:rPr lang="en-US" dirty="0">
+              <a:t>DimProduct </a:t>
+            </a:r>
+            <a:r xmlns:a="http://schemas.openxmlformats.org/drawingml/2006/main">
+              <a:rPr lang="en" dirty="0">
                 <a:solidFill>
                   <a:srgbClr val="000000"/>
                 </a:solidFill>
                 <a:latin typeface="Consolas" panose="020B0609020204030204" pitchFamily="49" charset="0"/>
               </a:rPr>
-              <a:t>(</a:t>
-            </a:r>
-            <a:r>
-              <a:rPr lang="en-US" dirty="0" err="1">
+              <a:t>( </a:t>
+            </a:r>
+            <a:r xmlns:a="http://schemas.openxmlformats.org/drawingml/2006/main">
+              <a:rPr lang="en" dirty="0" err="1">
                 <a:solidFill>
                   <a:srgbClr val="000000"/>
                 </a:solidFill>
                 <a:latin typeface="Consolas" panose="020B0609020204030204" pitchFamily="49" charset="0"/>
               </a:rPr>
-              <a:t>TaxAmt</a:t>
-            </a:r>
-            <a:r>
-              <a:rPr lang="en-US" dirty="0">
+              <a:t>TaxAmt </a:t>
+            </a:r>
+            <a:r xmlns:a="http://schemas.openxmlformats.org/drawingml/2006/main">
+              <a:rPr lang="en" dirty="0">
                 <a:solidFill>
                   <a:srgbClr val="000000"/>
                 </a:solidFill>
                 <a:latin typeface="Consolas" panose="020B0609020204030204" pitchFamily="49" charset="0"/>
               </a:rPr>
-              <a:t> Greater than 1)=</a:t>
-            </a:r>
-            <a:r>
-              <a:rPr lang="en-US" dirty="0">
+              <a:t>Greater than 1)= </a:t>
+            </a:r>
+            <a:r xmlns:a="http://schemas.openxmlformats.org/drawingml/2006/main">
+              <a:rPr lang="en" dirty="0">
                 <a:solidFill>
                   <a:srgbClr val="3165BB"/>
                 </a:solidFill>
                 <a:latin typeface="Consolas" panose="020B0609020204030204" pitchFamily="49" charset="0"/>
               </a:rPr>
-              <a:t>CALCULATETABLE</a:t>
-            </a:r>
-            <a:r>
-              <a:rPr lang="en-US" dirty="0">
+              <a:t>CALCULATETABLE </a:t>
+            </a:r>
+            <a:r xmlns:a="http://schemas.openxmlformats.org/drawingml/2006/main">
+              <a:rPr lang="en" dirty="0">
                 <a:solidFill>
                   <a:srgbClr val="000000"/>
                 </a:solidFill>
                 <a:latin typeface="Consolas" panose="020B0609020204030204" pitchFamily="49" charset="0"/>
               </a:rPr>
-              <a:t>(</a:t>
-            </a:r>
-            <a:r>
-              <a:rPr lang="en-US" dirty="0" err="1">
+              <a:t>( </a:t>
+            </a:r>
+            <a:r xmlns:a="http://schemas.openxmlformats.org/drawingml/2006/main">
+              <a:rPr lang="en" dirty="0" err="1">
                 <a:solidFill>
                   <a:srgbClr val="001080"/>
                 </a:solidFill>
                 <a:latin typeface="Consolas" panose="020B0609020204030204" pitchFamily="49" charset="0"/>
               </a:rPr>
-              <a:t>DimProduct</a:t>
-            </a:r>
-            <a:r>
-              <a:rPr lang="en-US" dirty="0" err="1">
-                <a:solidFill>
-                  <a:srgbClr val="000000"/>
-                </a:solidFill>
-                <a:latin typeface="Consolas" panose="020B0609020204030204" pitchFamily="49" charset="0"/>
-              </a:rPr>
-              <a:t>,</a:t>
-            </a:r>
-            <a:r>
-              <a:rPr lang="en-US" dirty="0" err="1">
-                <a:solidFill>
-                  <a:srgbClr val="3165BB"/>
-                </a:solidFill>
-                <a:latin typeface="Consolas" panose="020B0609020204030204" pitchFamily="49" charset="0"/>
-              </a:rPr>
-              <a:t>FILTER</a:t>
-            </a:r>
-            <a:r>
-              <a:rPr lang="en-US" dirty="0">
-                <a:solidFill>
-                  <a:srgbClr val="000000"/>
-                </a:solidFill>
-                <a:latin typeface="Consolas" panose="020B0609020204030204" pitchFamily="49" charset="0"/>
-              </a:rPr>
-              <a:t>(</a:t>
-            </a:r>
-            <a:r>
-              <a:rPr lang="en-US" dirty="0" err="1">
-                <a:solidFill>
-                  <a:srgbClr val="001080"/>
-                </a:solidFill>
-                <a:latin typeface="Consolas" panose="020B0609020204030204" pitchFamily="49" charset="0"/>
-              </a:rPr>
-              <a:t>FactInternetSales</a:t>
-            </a:r>
-            <a:r>
-              <a:rPr lang="en-US" dirty="0">
+              <a:t>DimProduct </a:t>
+            </a:r>
+            <a:r xmlns:a="http://schemas.openxmlformats.org/drawingml/2006/main">
+              <a:rPr lang="en" dirty="0" err="1">
                 <a:solidFill>
                   <a:srgbClr val="000000"/>
                 </a:solidFill>
@@ -4452,62 +4234,98 @@
               </a:rPr>
               <a:t>, </a:t>
             </a:r>
-            <a:r>
-              <a:rPr lang="en-US" dirty="0" err="1">
-                <a:solidFill>
-                  <a:srgbClr val="001080"/>
+            <a:r xmlns:a="http://schemas.openxmlformats.org/drawingml/2006/main">
+              <a:rPr lang="en" dirty="0" err="1">
+                <a:solidFill>
+                  <a:srgbClr val="3165BB"/>
                 </a:solidFill>
                 <a:latin typeface="Consolas" panose="020B0609020204030204" pitchFamily="49" charset="0"/>
               </a:rPr>
-              <a:t>FactInternetSales</a:t>
-            </a:r>
-            <a:r>
-              <a:rPr lang="en-US" dirty="0">
-                <a:solidFill>
-                  <a:srgbClr val="001080"/>
+              <a:t>FILTER </a:t>
+            </a:r>
+            <a:r xmlns:a="http://schemas.openxmlformats.org/drawingml/2006/main">
+              <a:rPr lang="en" dirty="0">
+                <a:solidFill>
+                  <a:srgbClr val="000000"/>
                 </a:solidFill>
                 <a:latin typeface="Consolas" panose="020B0609020204030204" pitchFamily="49" charset="0"/>
               </a:rPr>
-              <a:t>[</a:t>
-            </a:r>
-            <a:r>
-              <a:rPr lang="en-US" dirty="0" err="1">
+              <a:t>( </a:t>
+            </a:r>
+            <a:r xmlns:a="http://schemas.openxmlformats.org/drawingml/2006/main">
+              <a:rPr lang="en" dirty="0" err="1">
                 <a:solidFill>
                   <a:srgbClr val="001080"/>
                 </a:solidFill>
                 <a:latin typeface="Consolas" panose="020B0609020204030204" pitchFamily="49" charset="0"/>
               </a:rPr>
-              <a:t>TaxAmt</a:t>
-            </a:r>
-            <a:r>
-              <a:rPr lang="en-US" dirty="0">
-                <a:solidFill>
-                  <a:srgbClr val="001080"/>
+              <a:t>FactInternetSales </a:t>
+            </a:r>
+            <a:r xmlns:a="http://schemas.openxmlformats.org/drawingml/2006/main">
+              <a:rPr lang="en" dirty="0">
+                <a:solidFill>
+                  <a:srgbClr val="000000"/>
                 </a:solidFill>
                 <a:latin typeface="Consolas" panose="020B0609020204030204" pitchFamily="49" charset="0"/>
               </a:rPr>
-              <a:t>]</a:t>
-            </a:r>
-            <a:r>
-              <a:rPr lang="en-US" dirty="0">
-                <a:solidFill>
-                  <a:srgbClr val="000000"/>
+              <a:t>, </a:t>
+            </a:r>
+            <a:r xmlns:a="http://schemas.openxmlformats.org/drawingml/2006/main">
+              <a:rPr lang="en" dirty="0" err="1">
+                <a:solidFill>
+                  <a:srgbClr val="001080"/>
                 </a:solidFill>
                 <a:latin typeface="Consolas" panose="020B0609020204030204" pitchFamily="49" charset="0"/>
               </a:rPr>
-              <a:t>&gt;</a:t>
-            </a:r>
-            <a:r>
-              <a:rPr lang="en-US" dirty="0">
-                <a:solidFill>
-                  <a:srgbClr val="098658"/>
+              <a:t>FactInternetSales </a:t>
+            </a:r>
+            <a:r xmlns:a="http://schemas.openxmlformats.org/drawingml/2006/main">
+              <a:rPr lang="en" dirty="0">
+                <a:solidFill>
+                  <a:srgbClr val="001080"/>
                 </a:solidFill>
                 <a:latin typeface="Consolas" panose="020B0609020204030204" pitchFamily="49" charset="0"/>
               </a:rPr>
-              <a:t>1</a:t>
-            </a:r>
-            <a:r>
-              <a:rPr lang="en-US" dirty="0">
+              <a:t>[ </a:t>
+            </a:r>
+            <a:r xmlns:a="http://schemas.openxmlformats.org/drawingml/2006/main">
+              <a:rPr lang="en" dirty="0" err="1">
+                <a:solidFill>
+                  <a:srgbClr val="001080"/>
+                </a:solidFill>
+                <a:latin typeface="Consolas" panose="020B0609020204030204" pitchFamily="49" charset="0"/>
+              </a:rPr>
+              <a:t>TaxAmt </a:t>
+            </a:r>
+            <a:r xmlns:a="http://schemas.openxmlformats.org/drawingml/2006/main">
+              <a:rPr lang="en" dirty="0">
+                <a:solidFill>
+                  <a:srgbClr val="001080"/>
+                </a:solidFill>
+                <a:latin typeface="Consolas" panose="020B0609020204030204" pitchFamily="49" charset="0"/>
+              </a:rPr>
+              <a:t>] </a:t>
+            </a:r>
+            <a:r xmlns:a="http://schemas.openxmlformats.org/drawingml/2006/main">
+              <a:rPr lang="en" dirty="0">
+                <a:solidFill>
+                  <a:srgbClr val="000000"/>
+                </a:solidFill>
+                <a:latin typeface="Consolas" panose="020B0609020204030204" pitchFamily="49" charset="0"/>
+              </a:rPr>
+              <a:t>&gt; </a:t>
+            </a:r>
+            <a:r xmlns:a="http://schemas.openxmlformats.org/drawingml/2006/main">
+              <a:rPr lang="en" dirty="0">
+                <a:solidFill>
+                  <a:srgbClr val="098658"/>
+                </a:solidFill>
+                <a:latin typeface="Consolas" panose="020B0609020204030204" pitchFamily="49" charset="0"/>
+              </a:rPr>
+              <a:t>1 </a:t>
+            </a:r>
+            <a:r xmlns:a="http://schemas.openxmlformats.org/drawingml/2006/main">
+              <a:rPr lang="en" dirty="0">
                 <a:solidFill>
                   <a:srgbClr val="000000"/>
                 </a:solidFill>
@@ -4515,13 +4333,95 @@
               </a:rPr>
               <a:t>))</a:t>
             </a:r>
-            <a:endParaRPr lang="en-US" b="0" dirty="0">
+            <a:endParaRPr xmlns:a="http://schemas.openxmlformats.org/drawingml/2006/main" lang="en-US" b="0" dirty="0">
               <a:solidFill>
                 <a:srgbClr val="000000"/>
               </a:solidFill>
               <a:effectLst/>
               <a:latin typeface="Consolas" panose="020B0609020204030204" pitchFamily="49" charset="0"/>
             </a:endParaRPr>
+          </a:p>
+        </p:txBody>
+      </p:sp>
+      <p:sp>
+        <p:nvSpPr>
+          <p:cNvPr id="4" name="Rectangle 3"/>
+          <p:cNvSpPr/>
+          <p:nvPr/>
+        </p:nvSpPr>
+        <p:spPr>
+          <a:xfrm>
+            <a:off x="383822" y="856791"/>
+            <a:ext cx="11446936" cy="400110"/>
+          </a:xfrm>
+          <a:prstGeom prst="rect">
+            <a:avLst/>
+          </a:prstGeom>
+        </p:spPr>
+        <p:txBody>
+          <a:bodyPr wrap="square">
+            <a:spAutoFit/>
+          </a:bodyPr>
+          <a:lstStyle/>
+          <a:p>
+            <a:r xmlns:a="http://schemas.openxmlformats.org/drawingml/2006/main">
+              <a:rPr lang="en" sz="2000" dirty="0"/>
+              <a:t>Create a view of the </a:t>
+            </a:r>
+            <a:r xmlns:a="http://schemas.openxmlformats.org/drawingml/2006/main">
+              <a:rPr lang="en" sz="2000" b="1" dirty="0" err="1"/>
+              <a:t>DimProduct table </a:t>
+            </a:r>
+            <a:r xmlns:a="http://schemas.openxmlformats.org/drawingml/2006/main">
+              <a:rPr lang="en" sz="2000" dirty="0"/>
+              <a:t>that leaves only products with a tax value greater than 1.</a:t>
+            </a:r>
+            <a:endParaRPr xmlns:a="http://schemas.openxmlformats.org/drawingml/2006/main" lang="en-US" sz="2000" dirty="0"/>
+          </a:p>
+        </p:txBody>
+      </p:sp>
+      <p:sp>
+        <p:nvSpPr>
+          <p:cNvPr id="7" name="Rectangle 6"/>
+          <p:cNvSpPr/>
+          <p:nvPr/>
+        </p:nvSpPr>
+        <p:spPr>
+          <a:xfrm>
+            <a:off x="309382" y="2239201"/>
+            <a:ext cx="11177061" cy="646331"/>
+          </a:xfrm>
+          <a:prstGeom prst="rect">
+            <a:avLst/>
+          </a:prstGeom>
+        </p:spPr>
+        <p:txBody>
+          <a:bodyPr wrap="square">
+            <a:spAutoFit/>
+          </a:bodyPr>
+          <a:lstStyle/>
+          <a:p>
+            <a:r xmlns:a="http://schemas.openxmlformats.org/drawingml/2006/main">
+              <a:rPr lang="en" dirty="0"/>
+              <a:t>Conclude that the </a:t>
+            </a:r>
+            <a:r xmlns:a="http://schemas.openxmlformats.org/drawingml/2006/main">
+              <a:rPr lang="en" b="1" dirty="0" err="1"/>
+              <a:t>Calculate function </a:t>
+            </a:r>
+            <a:r xmlns:a="http://schemas.openxmlformats.org/drawingml/2006/main">
+              <a:rPr lang="en" dirty="0"/>
+              <a:t>is used to calculate measures and calculated columns, while </a:t>
+            </a:r>
+            <a:r xmlns:a="http://schemas.openxmlformats.org/drawingml/2006/main">
+              <a:rPr lang="en" b="1" dirty="0" err="1"/>
+              <a:t>CalculateTable </a:t>
+            </a:r>
+            <a:r xmlns:a="http://schemas.openxmlformats.org/drawingml/2006/main">
+              <a:rPr lang="en" dirty="0"/>
+              <a:t>is used to create filtered views.</a:t>
+            </a:r>
+            <a:endParaRPr xmlns:a="http://schemas.openxmlformats.org/drawingml/2006/main" lang="en-US" dirty="0"/>
           </a:p>
         </p:txBody>
       </p:sp>
@@ -4610,8 +4510,8 @@
         </p:nvSpPr>
         <p:spPr>
           <a:xfrm>
-            <a:off x="2916199" y="2162433"/>
-            <a:ext cx="6230360" cy="1569660"/>
+            <a:off x="4118465" y="2597055"/>
+            <a:ext cx="3456395" cy="1569660"/>
           </a:xfrm>
           <a:prstGeom prst="rect">
             <a:avLst/>
@@ -4624,8 +4524,8 @@
           </a:bodyPr>
           <a:lstStyle/>
           <a:p>
-            <a:r>
-              <a:rPr lang="en-US" sz="9600" b="1" dirty="0" smtClean="0">
+            <a:r xmlns:a="http://schemas.openxmlformats.org/drawingml/2006/main">
+              <a:rPr lang="en" sz="9600" b="1" dirty="0" smtClean="0">
                 <a:solidFill>
                   <a:srgbClr val="7030A0"/>
                 </a:solidFill>
@@ -4633,9 +4533,9 @@
                 <a:ea typeface="Verdana" panose="020B0604030504040204" pitchFamily="34" charset="0"/>
                 <a:cs typeface="Segoe UI" panose="020B0502040204020203" pitchFamily="34" charset="0"/>
               </a:rPr>
-              <a:t>Thank you</a:t>
-            </a:r>
-            <a:endParaRPr lang="en-US" sz="9600" b="1" dirty="0">
+              <a:t>THANKS</a:t>
+            </a:r>
+            <a:endParaRPr xmlns:a="http://schemas.openxmlformats.org/drawingml/2006/main" lang="en-US" sz="9600" b="1" dirty="0">
               <a:solidFill>
                 <a:srgbClr val="7030A0"/>
               </a:solidFill>
@@ -4648,14 +4548,14 @@
       </p:sp>
       <p:sp>
         <p:nvSpPr>
-          <p:cNvPr id="6" name="TextBox 5"/>
+          <p:cNvPr id="7" name="TextBox 6"/>
           <p:cNvSpPr txBox="1"/>
           <p:nvPr/>
         </p:nvSpPr>
         <p:spPr>
           <a:xfrm>
-            <a:off x="2990336" y="2217861"/>
-            <a:ext cx="6230360" cy="1569660"/>
+            <a:off x="4050732" y="2518033"/>
+            <a:ext cx="3456395" cy="1569660"/>
           </a:xfrm>
           <a:prstGeom prst="rect">
             <a:avLst/>
@@ -4668,8 +4568,8 @@
           </a:bodyPr>
           <a:lstStyle/>
           <a:p>
-            <a:r>
-              <a:rPr lang="en-US" sz="9600" b="1" dirty="0" smtClean="0">
+            <a:r xmlns:a="http://schemas.openxmlformats.org/drawingml/2006/main">
+              <a:rPr lang="en" sz="9600" b="1" dirty="0" smtClean="0">
                 <a:solidFill>
                   <a:schemeClr val="bg1"/>
                 </a:solidFill>
@@ -4677,9 +4577,9 @@
                 <a:ea typeface="Verdana" panose="020B0604030504040204" pitchFamily="34" charset="0"/>
                 <a:cs typeface="Segoe UI" panose="020B0502040204020203" pitchFamily="34" charset="0"/>
               </a:rPr>
-              <a:t>Thank you</a:t>
-            </a:r>
-            <a:endParaRPr lang="en-US" sz="9600" b="1" dirty="0">
+              <a:t>THANKS</a:t>
+            </a:r>
+            <a:endParaRPr xmlns:a="http://schemas.openxmlformats.org/drawingml/2006/main" lang="en-US" sz="9600" b="1" dirty="0">
               <a:solidFill>
                 <a:schemeClr val="bg1"/>
               </a:solidFill>

--- a/English/5.DAX/3.Calulate Table.pptx
+++ b/English/5.DAX/3.Calulate Table.pptx
@@ -201,7 +201,7 @@
           <a:p>
             <a:fld id="{056BA3B8-9F76-4D81-B71D-76CB85363062}" type="datetimeFigureOut">
               <a:rPr lang="en-US" smtClean="0"/>
-              <a:t>2/26/2025</a:t>
+              <a:t>4/3/2025</a:t>
             </a:fld>
             <a:endParaRPr lang="en-US"/>
           </a:p>
@@ -600,7 +600,7 @@
           <a:p>
             <a:fld id="{6F01DA4D-20EA-48D2-973C-0311EC3005D6}" type="datetimeFigureOut">
               <a:rPr lang="en-US" smtClean="0"/>
-              <a:t>2/26/2025</a:t>
+              <a:t>4/3/2025</a:t>
             </a:fld>
             <a:endParaRPr lang="en-US"/>
           </a:p>
@@ -770,7 +770,7 @@
           <a:p>
             <a:fld id="{6F01DA4D-20EA-48D2-973C-0311EC3005D6}" type="datetimeFigureOut">
               <a:rPr lang="en-US" smtClean="0"/>
-              <a:t>2/26/2025</a:t>
+              <a:t>4/3/2025</a:t>
             </a:fld>
             <a:endParaRPr lang="en-US"/>
           </a:p>
@@ -950,7 +950,7 @@
           <a:p>
             <a:fld id="{6F01DA4D-20EA-48D2-973C-0311EC3005D6}" type="datetimeFigureOut">
               <a:rPr lang="en-US" smtClean="0"/>
-              <a:t>2/26/2025</a:t>
+              <a:t>4/3/2025</a:t>
             </a:fld>
             <a:endParaRPr lang="en-US"/>
           </a:p>
@@ -1120,7 +1120,7 @@
           <a:p>
             <a:fld id="{6F01DA4D-20EA-48D2-973C-0311EC3005D6}" type="datetimeFigureOut">
               <a:rPr lang="en-US" smtClean="0"/>
-              <a:t>2/26/2025</a:t>
+              <a:t>4/3/2025</a:t>
             </a:fld>
             <a:endParaRPr lang="en-US"/>
           </a:p>
@@ -1366,7 +1366,7 @@
           <a:p>
             <a:fld id="{6F01DA4D-20EA-48D2-973C-0311EC3005D6}" type="datetimeFigureOut">
               <a:rPr lang="en-US" smtClean="0"/>
-              <a:t>2/26/2025</a:t>
+              <a:t>4/3/2025</a:t>
             </a:fld>
             <a:endParaRPr lang="en-US"/>
           </a:p>
@@ -1598,7 +1598,7 @@
           <a:p>
             <a:fld id="{6F01DA4D-20EA-48D2-973C-0311EC3005D6}" type="datetimeFigureOut">
               <a:rPr lang="en-US" smtClean="0"/>
-              <a:t>2/26/2025</a:t>
+              <a:t>4/3/2025</a:t>
             </a:fld>
             <a:endParaRPr lang="en-US"/>
           </a:p>
@@ -1965,7 +1965,7 @@
           <a:p>
             <a:fld id="{6F01DA4D-20EA-48D2-973C-0311EC3005D6}" type="datetimeFigureOut">
               <a:rPr lang="en-US" smtClean="0"/>
-              <a:t>2/26/2025</a:t>
+              <a:t>4/3/2025</a:t>
             </a:fld>
             <a:endParaRPr lang="en-US"/>
           </a:p>
@@ -2083,7 +2083,7 @@
           <a:p>
             <a:fld id="{6F01DA4D-20EA-48D2-973C-0311EC3005D6}" type="datetimeFigureOut">
               <a:rPr lang="en-US" smtClean="0"/>
-              <a:t>2/26/2025</a:t>
+              <a:t>4/3/2025</a:t>
             </a:fld>
             <a:endParaRPr lang="en-US"/>
           </a:p>
@@ -2178,7 +2178,7 @@
           <a:p>
             <a:fld id="{6F01DA4D-20EA-48D2-973C-0311EC3005D6}" type="datetimeFigureOut">
               <a:rPr lang="en-US" smtClean="0"/>
-              <a:t>2/26/2025</a:t>
+              <a:t>4/3/2025</a:t>
             </a:fld>
             <a:endParaRPr lang="en-US"/>
           </a:p>
@@ -2455,7 +2455,7 @@
           <a:p>
             <a:fld id="{6F01DA4D-20EA-48D2-973C-0311EC3005D6}" type="datetimeFigureOut">
               <a:rPr lang="en-US" smtClean="0"/>
-              <a:t>2/26/2025</a:t>
+              <a:t>4/3/2025</a:t>
             </a:fld>
             <a:endParaRPr lang="en-US"/>
           </a:p>
@@ -2708,7 +2708,7 @@
           <a:p>
             <a:fld id="{6F01DA4D-20EA-48D2-973C-0311EC3005D6}" type="datetimeFigureOut">
               <a:rPr lang="en-US" smtClean="0"/>
-              <a:t>2/26/2025</a:t>
+              <a:t>4/3/2025</a:t>
             </a:fld>
             <a:endParaRPr lang="en-US"/>
           </a:p>
@@ -2921,7 +2921,7 @@
           <a:p>
             <a:fld id="{6F01DA4D-20EA-48D2-973C-0311EC3005D6}" type="datetimeFigureOut">
               <a:rPr lang="en-US" smtClean="0"/>
-              <a:t>2/26/2025</a:t>
+              <a:t>4/3/2025</a:t>
             </a:fld>
             <a:endParaRPr lang="en-US"/>
           </a:p>
@@ -3356,8 +3356,8 @@
           </a:bodyPr>
           <a:lstStyle/>
           <a:p>
-            <a:pPr xmlns:a="http://schemas.openxmlformats.org/drawingml/2006/main" algn="ctr"/>
-            <a:r xmlns:a="http://schemas.openxmlformats.org/drawingml/2006/main">
+            <a:pPr algn="ctr"/>
+            <a:r>
               <a:rPr lang="en" sz="8000" b="1" dirty="0" smtClean="0">
                 <a:solidFill>
                   <a:srgbClr val="7030A0"/>
@@ -3368,7 +3368,7 @@
               </a:rPr>
               <a:t>Calculate Table</a:t>
             </a:r>
-            <a:endParaRPr xmlns:a="http://schemas.openxmlformats.org/drawingml/2006/main" lang="en-US" sz="8000" b="1" dirty="0">
+            <a:endParaRPr lang="en-US" sz="8000" b="1" dirty="0">
               <a:solidFill>
                 <a:srgbClr val="7030A0"/>
               </a:solidFill>
@@ -3401,8 +3401,8 @@
           </a:bodyPr>
           <a:lstStyle/>
           <a:p>
-            <a:pPr xmlns:a="http://schemas.openxmlformats.org/drawingml/2006/main" algn="ctr"/>
-            <a:r xmlns:a="http://schemas.openxmlformats.org/drawingml/2006/main">
+            <a:pPr algn="ctr"/>
+            <a:r>
               <a:rPr lang="en" sz="8000" b="1" dirty="0" smtClean="0">
                 <a:solidFill>
                   <a:schemeClr val="bg1"/>
@@ -3413,7 +3413,7 @@
               </a:rPr>
               <a:t>Calculate Table</a:t>
             </a:r>
-            <a:endParaRPr xmlns:a="http://schemas.openxmlformats.org/drawingml/2006/main" lang="en-US" sz="8000" b="1" dirty="0">
+            <a:endParaRPr lang="en-US" sz="8000" b="1" dirty="0">
               <a:solidFill>
                 <a:schemeClr val="bg1"/>
               </a:solidFill>
@@ -3476,14 +3476,14 @@
           </a:bodyPr>
           <a:lstStyle/>
           <a:p>
-            <a:r xmlns:a="http://schemas.openxmlformats.org/drawingml/2006/main">
+            <a:r>
               <a:rPr lang="en" sz="2400" b="1" dirty="0" smtClean="0">
                 <a:latin typeface="Segoe UI" panose="020B0502040204020203" pitchFamily="34" charset="0"/>
                 <a:cs typeface="Segoe UI" panose="020B0502040204020203" pitchFamily="34" charset="0"/>
               </a:rPr>
               <a:t>Calculate Table</a:t>
             </a:r>
-            <a:endParaRPr xmlns:a="http://schemas.openxmlformats.org/drawingml/2006/main" lang="en-US" sz="2400" b="1" dirty="0">
+            <a:endParaRPr lang="en-US" sz="2400" b="1" dirty="0">
               <a:latin typeface="Segoe UI" panose="020B0502040204020203" pitchFamily="34" charset="0"/>
               <a:cs typeface="Segoe UI" panose="020B0502040204020203" pitchFamily="34" charset="0"/>
             </a:endParaRPr>
@@ -3511,7 +3511,7 @@
           </a:bodyPr>
           <a:lstStyle/>
           <a:p>
-            <a:r xmlns:a="http://schemas.openxmlformats.org/drawingml/2006/main">
+            <a:r>
               <a:rPr lang="en" dirty="0">
                 <a:solidFill>
                   <a:srgbClr val="000000"/>
@@ -3522,7 +3522,7 @@
             </a:r>
           </a:p>
           <a:p>
-            <a:r xmlns:a="http://schemas.openxmlformats.org/drawingml/2006/main">
+            <a:r>
               <a:rPr lang="en" dirty="0">
                 <a:solidFill>
                   <a:srgbClr val="3165BB"/>
@@ -3531,7 +3531,7 @@
               </a:rPr>
               <a:t>CALCULATE </a:t>
             </a:r>
-            <a:r xmlns:a="http://schemas.openxmlformats.org/drawingml/2006/main">
+            <a:r>
               <a:rPr lang="en" dirty="0">
                 <a:solidFill>
                   <a:srgbClr val="000000"/>
@@ -3542,7 +3542,7 @@
             </a:r>
           </a:p>
           <a:p>
-            <a:r xmlns:a="http://schemas.openxmlformats.org/drawingml/2006/main">
+            <a:r>
               <a:rPr lang="en" dirty="0">
                 <a:solidFill>
                   <a:srgbClr val="000000"/>
@@ -3551,7 +3551,7 @@
               </a:rPr>
               <a:t>    </a:t>
             </a:r>
-            <a:r xmlns:a="http://schemas.openxmlformats.org/drawingml/2006/main">
+            <a:r>
               <a:rPr lang="en" dirty="0">
                 <a:solidFill>
                   <a:srgbClr val="3165BB"/>
@@ -3560,7 +3560,7 @@
               </a:rPr>
               <a:t>AVERAGE </a:t>
             </a:r>
-            <a:r xmlns:a="http://schemas.openxmlformats.org/drawingml/2006/main">
+            <a:r>
               <a:rPr lang="en" dirty="0">
                 <a:solidFill>
                   <a:srgbClr val="000000"/>
@@ -3569,7 +3569,7 @@
               </a:rPr>
               <a:t>( </a:t>
             </a:r>
-            <a:r xmlns:a="http://schemas.openxmlformats.org/drawingml/2006/main">
+            <a:r>
               <a:rPr lang="en" dirty="0" err="1">
                 <a:solidFill>
                   <a:srgbClr val="001080"/>
@@ -3578,7 +3578,7 @@
               </a:rPr>
               <a:t>FactInternetSales </a:t>
             </a:r>
-            <a:r xmlns:a="http://schemas.openxmlformats.org/drawingml/2006/main">
+            <a:r>
               <a:rPr lang="en" dirty="0">
                 <a:solidFill>
                   <a:srgbClr val="001080"/>
@@ -3587,7 +3587,7 @@
               </a:rPr>
               <a:t>[ </a:t>
             </a:r>
-            <a:r xmlns:a="http://schemas.openxmlformats.org/drawingml/2006/main">
+            <a:r>
               <a:rPr lang="en" dirty="0" err="1">
                 <a:solidFill>
                   <a:srgbClr val="001080"/>
@@ -3596,7 +3596,7 @@
               </a:rPr>
               <a:t>OrderQuantity </a:t>
             </a:r>
-            <a:r xmlns:a="http://schemas.openxmlformats.org/drawingml/2006/main">
+            <a:r>
               <a:rPr lang="en" dirty="0">
                 <a:solidFill>
                   <a:srgbClr val="001080"/>
@@ -3605,7 +3605,7 @@
               </a:rPr>
               <a:t>] </a:t>
             </a:r>
-            <a:r xmlns:a="http://schemas.openxmlformats.org/drawingml/2006/main">
+            <a:r>
               <a:rPr lang="en" dirty="0">
                 <a:solidFill>
                   <a:srgbClr val="000000"/>
@@ -3614,7 +3614,7 @@
               </a:rPr>
               <a:t>) </a:t>
             </a:r>
-            <a:r xmlns:a="http://schemas.openxmlformats.org/drawingml/2006/main">
+            <a:r>
               <a:rPr lang="en" dirty="0" smtClean="0">
                 <a:solidFill>
                   <a:srgbClr val="000000"/>
@@ -3623,7 +3623,7 @@
               </a:rPr>
               <a:t>* </a:t>
             </a:r>
-            <a:r xmlns:a="http://schemas.openxmlformats.org/drawingml/2006/main">
+            <a:r>
               <a:rPr lang="en" dirty="0" smtClean="0">
                 <a:solidFill>
                   <a:srgbClr val="3165BB"/>
@@ -3632,7 +3632,7 @@
               </a:rPr>
               <a:t>AVERAGE </a:t>
             </a:r>
-            <a:r xmlns:a="http://schemas.openxmlformats.org/drawingml/2006/main">
+            <a:r>
               <a:rPr lang="en" dirty="0" smtClean="0">
                 <a:solidFill>
                   <a:srgbClr val="000000"/>
@@ -3641,7 +3641,7 @@
               </a:rPr>
               <a:t>( </a:t>
             </a:r>
-            <a:r xmlns:a="http://schemas.openxmlformats.org/drawingml/2006/main">
+            <a:r>
               <a:rPr lang="en" dirty="0" err="1" smtClean="0">
                 <a:solidFill>
                   <a:srgbClr val="001080"/>
@@ -3650,7 +3650,7 @@
               </a:rPr>
               <a:t>FactInternetSales </a:t>
             </a:r>
-            <a:r xmlns:a="http://schemas.openxmlformats.org/drawingml/2006/main">
+            <a:r>
               <a:rPr lang="en" dirty="0" smtClean="0">
                 <a:solidFill>
                   <a:srgbClr val="001080"/>
@@ -3659,7 +3659,7 @@
               </a:rPr>
               <a:t>[ </a:t>
             </a:r>
-            <a:r xmlns:a="http://schemas.openxmlformats.org/drawingml/2006/main">
+            <a:r>
               <a:rPr lang="en" dirty="0" err="1" smtClean="0">
                 <a:solidFill>
                   <a:srgbClr val="001080"/>
@@ -3668,7 +3668,7 @@
               </a:rPr>
               <a:t>UnitPrice </a:t>
             </a:r>
-            <a:r xmlns:a="http://schemas.openxmlformats.org/drawingml/2006/main">
+            <a:r>
               <a:rPr lang="en" dirty="0">
                 <a:solidFill>
                   <a:srgbClr val="001080"/>
@@ -3677,7 +3677,7 @@
               </a:rPr>
               <a:t>] </a:t>
             </a:r>
-            <a:r xmlns:a="http://schemas.openxmlformats.org/drawingml/2006/main">
+            <a:r>
               <a:rPr lang="en" dirty="0">
                 <a:solidFill>
                   <a:srgbClr val="000000"/>
@@ -3688,7 +3688,7 @@
             </a:r>
           </a:p>
           <a:p>
-            <a:r xmlns:a="http://schemas.openxmlformats.org/drawingml/2006/main">
+            <a:r>
               <a:rPr lang="en" dirty="0">
                 <a:solidFill>
                   <a:srgbClr val="000000"/>
@@ -3697,7 +3697,7 @@
               </a:rPr>
               <a:t>    </a:t>
             </a:r>
-            <a:r xmlns:a="http://schemas.openxmlformats.org/drawingml/2006/main">
+            <a:r>
               <a:rPr lang="en" dirty="0" err="1">
                 <a:solidFill>
                   <a:srgbClr val="001080"/>
@@ -3706,7 +3706,7 @@
               </a:rPr>
               <a:t>DimProduct </a:t>
             </a:r>
-            <a:r xmlns:a="http://schemas.openxmlformats.org/drawingml/2006/main">
+            <a:r>
               <a:rPr lang="en" dirty="0">
                 <a:solidFill>
                   <a:srgbClr val="001080"/>
@@ -3715,7 +3715,7 @@
               </a:rPr>
               <a:t>[Class] </a:t>
             </a:r>
-            <a:r xmlns:a="http://schemas.openxmlformats.org/drawingml/2006/main">
+            <a:r>
               <a:rPr lang="en" dirty="0">
                 <a:solidFill>
                   <a:srgbClr val="000000"/>
@@ -3724,7 +3724,7 @@
               </a:rPr>
               <a:t>= </a:t>
             </a:r>
-            <a:r xmlns:a="http://schemas.openxmlformats.org/drawingml/2006/main">
+            <a:r>
               <a:rPr lang="en" dirty="0">
                 <a:solidFill>
                   <a:srgbClr val="A31515"/>
@@ -3733,7 +3733,7 @@
               </a:rPr>
               <a:t>"M"</a:t>
             </a:r>
-            <a:endParaRPr xmlns:a="http://schemas.openxmlformats.org/drawingml/2006/main" lang="en-US" dirty="0">
+            <a:endParaRPr lang="en-US" dirty="0">
               <a:solidFill>
                 <a:srgbClr val="000000"/>
               </a:solidFill>
@@ -3741,7 +3741,7 @@
             </a:endParaRPr>
           </a:p>
           <a:p>
-            <a:r xmlns:a="http://schemas.openxmlformats.org/drawingml/2006/main">
+            <a:r>
               <a:rPr lang="en" dirty="0">
                 <a:solidFill>
                   <a:srgbClr val="000000"/>
@@ -3750,7 +3750,7 @@
               </a:rPr>
               <a:t>)</a:t>
             </a:r>
-            <a:endParaRPr xmlns:a="http://schemas.openxmlformats.org/drawingml/2006/main" lang="en-US" b="0" dirty="0">
+            <a:endParaRPr lang="en-US" b="0" dirty="0">
               <a:solidFill>
                 <a:srgbClr val="000000"/>
               </a:solidFill>
@@ -3781,31 +3781,31 @@
           </a:bodyPr>
           <a:lstStyle/>
           <a:p>
-            <a:r xmlns:a="http://schemas.openxmlformats.org/drawingml/2006/main">
+            <a:r>
               <a:rPr lang="en" b="1" dirty="0"/>
               <a:t>Note: </a:t>
             </a:r>
-            <a:r xmlns:a="http://schemas.openxmlformats.org/drawingml/2006/main">
+            <a:r>
               <a:rPr lang="en" dirty="0"/>
               <a:t>This demonstration uses the AdventureWorks2016 database and more specifically the </a:t>
             </a:r>
-            <a:r xmlns:a="http://schemas.openxmlformats.org/drawingml/2006/main">
+            <a:r>
               <a:rPr lang="en" b="1" dirty="0" err="1"/>
               <a:t>DimProduct </a:t>
             </a:r>
-            <a:r xmlns:a="http://schemas.openxmlformats.org/drawingml/2006/main">
+            <a:r>
               <a:rPr lang="en" dirty="0"/>
               <a:t>and </a:t>
             </a:r>
-            <a:r xmlns:a="http://schemas.openxmlformats.org/drawingml/2006/main">
+            <a:r>
               <a:rPr lang="en" b="1" dirty="0" err="1"/>
               <a:t>FactInternetSales tables </a:t>
             </a:r>
-            <a:r xmlns:a="http://schemas.openxmlformats.org/drawingml/2006/main">
+            <a:r>
               <a:rPr lang="en" dirty="0"/>
               <a:t>.</a:t>
             </a:r>
-            <a:endParaRPr xmlns:a="http://schemas.openxmlformats.org/drawingml/2006/main" lang="en-US" dirty="0"/>
+            <a:endParaRPr lang="en-US" dirty="0"/>
           </a:p>
         </p:txBody>
       </p:sp>
@@ -3830,19 +3830,19 @@
           </a:bodyPr>
           <a:lstStyle/>
           <a:p>
-            <a:r xmlns:a="http://schemas.openxmlformats.org/drawingml/2006/main">
+            <a:r>
               <a:rPr lang="en" dirty="0"/>
               <a:t>Start by creating a measure that calculates the average amount of revenue generated corresponding to the product class </a:t>
             </a:r>
-            <a:r xmlns:a="http://schemas.openxmlformats.org/drawingml/2006/main">
+            <a:r>
               <a:rPr lang="en" b="1" dirty="0"/>
               <a:t>"M" </a:t>
             </a:r>
-            <a:r xmlns:a="http://schemas.openxmlformats.org/drawingml/2006/main">
+            <a:r>
               <a:rPr lang="en" dirty="0"/>
               <a:t>.</a:t>
             </a:r>
-            <a:endParaRPr xmlns:a="http://schemas.openxmlformats.org/drawingml/2006/main" lang="en-US" dirty="0"/>
+            <a:endParaRPr lang="en-US" dirty="0"/>
           </a:p>
         </p:txBody>
       </p:sp>
@@ -3922,14 +3922,14 @@
           </a:bodyPr>
           <a:lstStyle/>
           <a:p>
-            <a:r xmlns:a="http://schemas.openxmlformats.org/drawingml/2006/main">
+            <a:r>
               <a:rPr lang="en" sz="2400" b="1" dirty="0" smtClean="0">
                 <a:latin typeface="Segoe UI" panose="020B0502040204020203" pitchFamily="34" charset="0"/>
                 <a:cs typeface="Segoe UI" panose="020B0502040204020203" pitchFamily="34" charset="0"/>
               </a:rPr>
               <a:t>Calculate Table</a:t>
             </a:r>
-            <a:endParaRPr xmlns:a="http://schemas.openxmlformats.org/drawingml/2006/main" lang="en-US" sz="2400" b="1" dirty="0">
+            <a:endParaRPr lang="en-US" sz="2400" b="1" dirty="0">
               <a:latin typeface="Segoe UI" panose="020B0502040204020203" pitchFamily="34" charset="0"/>
               <a:cs typeface="Segoe UI" panose="020B0502040204020203" pitchFamily="34" charset="0"/>
             </a:endParaRPr>
@@ -4043,7 +4043,7 @@
           </a:bodyPr>
           <a:lstStyle/>
           <a:p>
-            <a:pPr xmlns:a="http://schemas.openxmlformats.org/drawingml/2006/main" marL="0" marR="0" lvl="0" indent="0" algn="l" defTabSz="914400" rtl="0" eaLnBrk="0" fontAlgn="base" latinLnBrk="0" hangingPunct="0">
+            <a:pPr marL="0" marR="0" lvl="0" indent="0" algn="l" defTabSz="914400" rtl="0" eaLnBrk="0" fontAlgn="base" latinLnBrk="0" hangingPunct="0">
               <a:lnSpc>
                 <a:spcPct val="100000"/>
               </a:lnSpc>
@@ -4059,7 +4059,7 @@
               <a:buNone/>
               <a:tabLst/>
             </a:pPr>
-            <a:r xmlns:a="http://schemas.openxmlformats.org/drawingml/2006/main">
+            <a:r>
               <a:rPr kumimoji="0" lang="en" altLang="en-US" sz="1800" b="0" i="0" u="none" strike="noStrike" cap="none" normalizeH="0" baseline="0" smtClean="0">
                 <a:ln>
                   <a:noFill/>
@@ -4127,14 +4127,14 @@
           </a:bodyPr>
           <a:lstStyle/>
           <a:p>
-            <a:r xmlns:a="http://schemas.openxmlformats.org/drawingml/2006/main">
+            <a:r>
               <a:rPr lang="en" sz="2400" b="1" dirty="0" smtClean="0">
                 <a:latin typeface="Segoe UI" panose="020B0502040204020203" pitchFamily="34" charset="0"/>
                 <a:cs typeface="Segoe UI" panose="020B0502040204020203" pitchFamily="34" charset="0"/>
               </a:rPr>
               <a:t>Calculate Table</a:t>
             </a:r>
-            <a:endParaRPr xmlns:a="http://schemas.openxmlformats.org/drawingml/2006/main" lang="en-US" sz="2400" b="1" dirty="0">
+            <a:endParaRPr lang="en-US" sz="2400" b="1" dirty="0">
               <a:latin typeface="Segoe UI" panose="020B0502040204020203" pitchFamily="34" charset="0"/>
               <a:cs typeface="Segoe UI" panose="020B0502040204020203" pitchFamily="34" charset="0"/>
             </a:endParaRPr>
@@ -4162,7 +4162,7 @@
           </a:bodyPr>
           <a:lstStyle/>
           <a:p>
-            <a:r xmlns:a="http://schemas.openxmlformats.org/drawingml/2006/main">
+            <a:r>
               <a:rPr lang="en" dirty="0" err="1">
                 <a:solidFill>
                   <a:srgbClr val="000000"/>
@@ -4171,7 +4171,7 @@
               </a:rPr>
               <a:t>DimProduct </a:t>
             </a:r>
-            <a:r xmlns:a="http://schemas.openxmlformats.org/drawingml/2006/main">
+            <a:r>
               <a:rPr lang="en" dirty="0">
                 <a:solidFill>
                   <a:srgbClr val="000000"/>
@@ -4180,7 +4180,7 @@
               </a:rPr>
               <a:t>( </a:t>
             </a:r>
-            <a:r xmlns:a="http://schemas.openxmlformats.org/drawingml/2006/main">
+            <a:r>
               <a:rPr lang="en" dirty="0" err="1">
                 <a:solidFill>
                   <a:srgbClr val="000000"/>
@@ -4189,7 +4189,7 @@
               </a:rPr>
               <a:t>TaxAmt </a:t>
             </a:r>
-            <a:r xmlns:a="http://schemas.openxmlformats.org/drawingml/2006/main">
+            <a:r>
               <a:rPr lang="en" dirty="0">
                 <a:solidFill>
                   <a:srgbClr val="000000"/>
@@ -4198,7 +4198,7 @@
               </a:rPr>
               <a:t>Greater than 1)= </a:t>
             </a:r>
-            <a:r xmlns:a="http://schemas.openxmlformats.org/drawingml/2006/main">
+            <a:r>
               <a:rPr lang="en" dirty="0">
                 <a:solidFill>
                   <a:srgbClr val="3165BB"/>
@@ -4207,7 +4207,7 @@
               </a:rPr>
               <a:t>CALCULATETABLE </a:t>
             </a:r>
-            <a:r xmlns:a="http://schemas.openxmlformats.org/drawingml/2006/main">
+            <a:r>
               <a:rPr lang="en" dirty="0">
                 <a:solidFill>
                   <a:srgbClr val="000000"/>
@@ -4216,7 +4216,7 @@
               </a:rPr>
               <a:t>( </a:t>
             </a:r>
-            <a:r xmlns:a="http://schemas.openxmlformats.org/drawingml/2006/main">
+            <a:r>
               <a:rPr lang="en" dirty="0" err="1">
                 <a:solidFill>
                   <a:srgbClr val="001080"/>
@@ -4225,7 +4225,7 @@
               </a:rPr>
               <a:t>DimProduct </a:t>
             </a:r>
-            <a:r xmlns:a="http://schemas.openxmlformats.org/drawingml/2006/main">
+            <a:r>
               <a:rPr lang="en" dirty="0" err="1">
                 <a:solidFill>
                   <a:srgbClr val="000000"/>
@@ -4234,7 +4234,7 @@
               </a:rPr>
               <a:t>, </a:t>
             </a:r>
-            <a:r xmlns:a="http://schemas.openxmlformats.org/drawingml/2006/main">
+            <a:r>
               <a:rPr lang="en" dirty="0" err="1">
                 <a:solidFill>
                   <a:srgbClr val="3165BB"/>
@@ -4243,7 +4243,7 @@
               </a:rPr>
               <a:t>FILTER </a:t>
             </a:r>
-            <a:r xmlns:a="http://schemas.openxmlformats.org/drawingml/2006/main">
+            <a:r>
               <a:rPr lang="en" dirty="0">
                 <a:solidFill>
                   <a:srgbClr val="000000"/>
@@ -4252,7 +4252,7 @@
               </a:rPr>
               <a:t>( </a:t>
             </a:r>
-            <a:r xmlns:a="http://schemas.openxmlformats.org/drawingml/2006/main">
+            <a:r>
               <a:rPr lang="en" dirty="0" err="1">
                 <a:solidFill>
                   <a:srgbClr val="001080"/>
@@ -4261,7 +4261,7 @@
               </a:rPr>
               <a:t>FactInternetSales </a:t>
             </a:r>
-            <a:r xmlns:a="http://schemas.openxmlformats.org/drawingml/2006/main">
+            <a:r>
               <a:rPr lang="en" dirty="0">
                 <a:solidFill>
                   <a:srgbClr val="000000"/>
@@ -4270,7 +4270,7 @@
               </a:rPr>
               <a:t>, </a:t>
             </a:r>
-            <a:r xmlns:a="http://schemas.openxmlformats.org/drawingml/2006/main">
+            <a:r>
               <a:rPr lang="en" dirty="0" err="1">
                 <a:solidFill>
                   <a:srgbClr val="001080"/>
@@ -4279,7 +4279,7 @@
               </a:rPr>
               <a:t>FactInternetSales </a:t>
             </a:r>
-            <a:r xmlns:a="http://schemas.openxmlformats.org/drawingml/2006/main">
+            <a:r>
               <a:rPr lang="en" dirty="0">
                 <a:solidFill>
                   <a:srgbClr val="001080"/>
@@ -4288,7 +4288,7 @@
               </a:rPr>
               <a:t>[ </a:t>
             </a:r>
-            <a:r xmlns:a="http://schemas.openxmlformats.org/drawingml/2006/main">
+            <a:r>
               <a:rPr lang="en" dirty="0" err="1">
                 <a:solidFill>
                   <a:srgbClr val="001080"/>
@@ -4297,7 +4297,7 @@
               </a:rPr>
               <a:t>TaxAmt </a:t>
             </a:r>
-            <a:r xmlns:a="http://schemas.openxmlformats.org/drawingml/2006/main">
+            <a:r>
               <a:rPr lang="en" dirty="0">
                 <a:solidFill>
                   <a:srgbClr val="001080"/>
@@ -4306,7 +4306,7 @@
               </a:rPr>
               <a:t>] </a:t>
             </a:r>
-            <a:r xmlns:a="http://schemas.openxmlformats.org/drawingml/2006/main">
+            <a:r>
               <a:rPr lang="en" dirty="0">
                 <a:solidFill>
                   <a:srgbClr val="000000"/>
@@ -4315,7 +4315,7 @@
               </a:rPr>
               <a:t>&gt; </a:t>
             </a:r>
-            <a:r xmlns:a="http://schemas.openxmlformats.org/drawingml/2006/main">
+            <a:r>
               <a:rPr lang="en" dirty="0">
                 <a:solidFill>
                   <a:srgbClr val="098658"/>
@@ -4324,7 +4324,7 @@
               </a:rPr>
               <a:t>1 </a:t>
             </a:r>
-            <a:r xmlns:a="http://schemas.openxmlformats.org/drawingml/2006/main">
+            <a:r>
               <a:rPr lang="en" dirty="0">
                 <a:solidFill>
                   <a:srgbClr val="000000"/>
@@ -4333,7 +4333,7 @@
               </a:rPr>
               <a:t>))</a:t>
             </a:r>
-            <a:endParaRPr xmlns:a="http://schemas.openxmlformats.org/drawingml/2006/main" lang="en-US" b="0" dirty="0">
+            <a:endParaRPr lang="en-US" b="0" dirty="0">
               <a:solidFill>
                 <a:srgbClr val="000000"/>
               </a:solidFill>
@@ -4364,19 +4364,19 @@
           </a:bodyPr>
           <a:lstStyle/>
           <a:p>
-            <a:r xmlns:a="http://schemas.openxmlformats.org/drawingml/2006/main">
+            <a:r>
               <a:rPr lang="en" sz="2000" dirty="0"/>
               <a:t>Create a view of the </a:t>
             </a:r>
-            <a:r xmlns:a="http://schemas.openxmlformats.org/drawingml/2006/main">
+            <a:r>
               <a:rPr lang="en" sz="2000" b="1" dirty="0" err="1"/>
               <a:t>DimProduct table </a:t>
             </a:r>
-            <a:r xmlns:a="http://schemas.openxmlformats.org/drawingml/2006/main">
+            <a:r>
               <a:rPr lang="en" sz="2000" dirty="0"/>
               <a:t>that leaves only products with a tax value greater than 1.</a:t>
             </a:r>
-            <a:endParaRPr xmlns:a="http://schemas.openxmlformats.org/drawingml/2006/main" lang="en-US" sz="2000" dirty="0"/>
+            <a:endParaRPr lang="en-US" sz="2000" dirty="0"/>
           </a:p>
         </p:txBody>
       </p:sp>
@@ -4401,27 +4401,27 @@
           </a:bodyPr>
           <a:lstStyle/>
           <a:p>
-            <a:r xmlns:a="http://schemas.openxmlformats.org/drawingml/2006/main">
+            <a:r>
               <a:rPr lang="en" dirty="0"/>
               <a:t>Conclude that the </a:t>
             </a:r>
-            <a:r xmlns:a="http://schemas.openxmlformats.org/drawingml/2006/main">
+            <a:r>
               <a:rPr lang="en" b="1" dirty="0" err="1"/>
               <a:t>Calculate function </a:t>
             </a:r>
-            <a:r xmlns:a="http://schemas.openxmlformats.org/drawingml/2006/main">
+            <a:r>
               <a:rPr lang="en" dirty="0"/>
               <a:t>is used to calculate measures and calculated columns, while </a:t>
             </a:r>
-            <a:r xmlns:a="http://schemas.openxmlformats.org/drawingml/2006/main">
+            <a:r>
               <a:rPr lang="en" b="1" dirty="0" err="1"/>
               <a:t>CalculateTable </a:t>
             </a:r>
-            <a:r xmlns:a="http://schemas.openxmlformats.org/drawingml/2006/main">
+            <a:r>
               <a:rPr lang="en" dirty="0"/>
               <a:t>is used to create filtered views.</a:t>
             </a:r>
-            <a:endParaRPr xmlns:a="http://schemas.openxmlformats.org/drawingml/2006/main" lang="en-US" dirty="0"/>
+            <a:endParaRPr lang="en-US" dirty="0"/>
           </a:p>
         </p:txBody>
       </p:sp>
@@ -4510,8 +4510,8 @@
         </p:nvSpPr>
         <p:spPr>
           <a:xfrm>
-            <a:off x="4118465" y="2597055"/>
-            <a:ext cx="3456395" cy="1569660"/>
+            <a:off x="3029087" y="2704300"/>
+            <a:ext cx="6230360" cy="1569660"/>
           </a:xfrm>
           <a:prstGeom prst="rect">
             <a:avLst/>
@@ -4524,8 +4524,8 @@
           </a:bodyPr>
           <a:lstStyle/>
           <a:p>
-            <a:r xmlns:a="http://schemas.openxmlformats.org/drawingml/2006/main">
-              <a:rPr lang="en" sz="9600" b="1" dirty="0" smtClean="0">
+            <a:r>
+              <a:rPr lang="en-US" sz="9600" b="1" dirty="0" smtClean="0">
                 <a:solidFill>
                   <a:srgbClr val="7030A0"/>
                 </a:solidFill>
@@ -4533,9 +4533,9 @@
                 <a:ea typeface="Verdana" panose="020B0604030504040204" pitchFamily="34" charset="0"/>
                 <a:cs typeface="Segoe UI" panose="020B0502040204020203" pitchFamily="34" charset="0"/>
               </a:rPr>
-              <a:t>THANKS</a:t>
-            </a:r>
-            <a:endParaRPr xmlns:a="http://schemas.openxmlformats.org/drawingml/2006/main" lang="en-US" sz="9600" b="1" dirty="0">
+              <a:t>Thank you</a:t>
+            </a:r>
+            <a:endParaRPr lang="en-US" sz="9600" b="1" dirty="0">
               <a:solidFill>
                 <a:srgbClr val="7030A0"/>
               </a:solidFill>
@@ -4554,8 +4554,8 @@
         </p:nvSpPr>
         <p:spPr>
           <a:xfrm>
-            <a:off x="4050732" y="2518033"/>
-            <a:ext cx="3456395" cy="1569660"/>
+            <a:off x="2961354" y="2625278"/>
+            <a:ext cx="6230360" cy="1569660"/>
           </a:xfrm>
           <a:prstGeom prst="rect">
             <a:avLst/>
@@ -4568,8 +4568,8 @@
           </a:bodyPr>
           <a:lstStyle/>
           <a:p>
-            <a:r xmlns:a="http://schemas.openxmlformats.org/drawingml/2006/main">
-              <a:rPr lang="en" sz="9600" b="1" dirty="0" smtClean="0">
+            <a:r>
+              <a:rPr lang="en-US" sz="9600" b="1" dirty="0" smtClean="0">
                 <a:solidFill>
                   <a:schemeClr val="bg1"/>
                 </a:solidFill>
@@ -4577,9 +4577,9 @@
                 <a:ea typeface="Verdana" panose="020B0604030504040204" pitchFamily="34" charset="0"/>
                 <a:cs typeface="Segoe UI" panose="020B0502040204020203" pitchFamily="34" charset="0"/>
               </a:rPr>
-              <a:t>THANKS</a:t>
-            </a:r>
-            <a:endParaRPr xmlns:a="http://schemas.openxmlformats.org/drawingml/2006/main" lang="en-US" sz="9600" b="1" dirty="0">
+              <a:t>Thank you</a:t>
+            </a:r>
+            <a:endParaRPr lang="en-US" sz="9600" b="1" dirty="0">
               <a:solidFill>
                 <a:schemeClr val="bg1"/>
               </a:solidFill>

--- a/English/5.DAX/3.Calulate Table.pptx
+++ b/English/5.DAX/3.Calulate Table.pptx
@@ -5,14 +5,15 @@
     <p:sldMasterId id="2147483648" r:id="rId1"/>
   </p:sldMasterIdLst>
   <p:notesMasterIdLst>
-    <p:notesMasterId r:id="rId7"/>
+    <p:notesMasterId r:id="rId8"/>
   </p:notesMasterIdLst>
   <p:sldIdLst>
     <p:sldId id="256" r:id="rId2"/>
     <p:sldId id="257" r:id="rId3"/>
     <p:sldId id="260" r:id="rId4"/>
     <p:sldId id="259" r:id="rId5"/>
-    <p:sldId id="258" r:id="rId6"/>
+    <p:sldId id="261" r:id="rId6"/>
+    <p:sldId id="258" r:id="rId7"/>
   </p:sldIdLst>
   <p:sldSz cx="12192000" cy="6858000"/>
   <p:notesSz cx="6858000" cy="9144000"/>
@@ -201,7 +202,7 @@
           <a:p>
             <a:fld id="{056BA3B8-9F76-4D81-B71D-76CB85363062}" type="datetimeFigureOut">
               <a:rPr lang="en-US" smtClean="0"/>
-              <a:t>4/3/2025</a:t>
+              <a:t>4/7/2025</a:t>
             </a:fld>
             <a:endParaRPr lang="en-US"/>
           </a:p>
@@ -600,7 +601,7 @@
           <a:p>
             <a:fld id="{6F01DA4D-20EA-48D2-973C-0311EC3005D6}" type="datetimeFigureOut">
               <a:rPr lang="en-US" smtClean="0"/>
-              <a:t>4/3/2025</a:t>
+              <a:t>4/7/2025</a:t>
             </a:fld>
             <a:endParaRPr lang="en-US"/>
           </a:p>
@@ -770,7 +771,7 @@
           <a:p>
             <a:fld id="{6F01DA4D-20EA-48D2-973C-0311EC3005D6}" type="datetimeFigureOut">
               <a:rPr lang="en-US" smtClean="0"/>
-              <a:t>4/3/2025</a:t>
+              <a:t>4/7/2025</a:t>
             </a:fld>
             <a:endParaRPr lang="en-US"/>
           </a:p>
@@ -950,7 +951,7 @@
           <a:p>
             <a:fld id="{6F01DA4D-20EA-48D2-973C-0311EC3005D6}" type="datetimeFigureOut">
               <a:rPr lang="en-US" smtClean="0"/>
-              <a:t>4/3/2025</a:t>
+              <a:t>4/7/2025</a:t>
             </a:fld>
             <a:endParaRPr lang="en-US"/>
           </a:p>
@@ -1120,7 +1121,7 @@
           <a:p>
             <a:fld id="{6F01DA4D-20EA-48D2-973C-0311EC3005D6}" type="datetimeFigureOut">
               <a:rPr lang="en-US" smtClean="0"/>
-              <a:t>4/3/2025</a:t>
+              <a:t>4/7/2025</a:t>
             </a:fld>
             <a:endParaRPr lang="en-US"/>
           </a:p>
@@ -1366,7 +1367,7 @@
           <a:p>
             <a:fld id="{6F01DA4D-20EA-48D2-973C-0311EC3005D6}" type="datetimeFigureOut">
               <a:rPr lang="en-US" smtClean="0"/>
-              <a:t>4/3/2025</a:t>
+              <a:t>4/7/2025</a:t>
             </a:fld>
             <a:endParaRPr lang="en-US"/>
           </a:p>
@@ -1598,7 +1599,7 @@
           <a:p>
             <a:fld id="{6F01DA4D-20EA-48D2-973C-0311EC3005D6}" type="datetimeFigureOut">
               <a:rPr lang="en-US" smtClean="0"/>
-              <a:t>4/3/2025</a:t>
+              <a:t>4/7/2025</a:t>
             </a:fld>
             <a:endParaRPr lang="en-US"/>
           </a:p>
@@ -1965,7 +1966,7 @@
           <a:p>
             <a:fld id="{6F01DA4D-20EA-48D2-973C-0311EC3005D6}" type="datetimeFigureOut">
               <a:rPr lang="en-US" smtClean="0"/>
-              <a:t>4/3/2025</a:t>
+              <a:t>4/7/2025</a:t>
             </a:fld>
             <a:endParaRPr lang="en-US"/>
           </a:p>
@@ -2083,7 +2084,7 @@
           <a:p>
             <a:fld id="{6F01DA4D-20EA-48D2-973C-0311EC3005D6}" type="datetimeFigureOut">
               <a:rPr lang="en-US" smtClean="0"/>
-              <a:t>4/3/2025</a:t>
+              <a:t>4/7/2025</a:t>
             </a:fld>
             <a:endParaRPr lang="en-US"/>
           </a:p>
@@ -2178,7 +2179,7 @@
           <a:p>
             <a:fld id="{6F01DA4D-20EA-48D2-973C-0311EC3005D6}" type="datetimeFigureOut">
               <a:rPr lang="en-US" smtClean="0"/>
-              <a:t>4/3/2025</a:t>
+              <a:t>4/7/2025</a:t>
             </a:fld>
             <a:endParaRPr lang="en-US"/>
           </a:p>
@@ -2455,7 +2456,7 @@
           <a:p>
             <a:fld id="{6F01DA4D-20EA-48D2-973C-0311EC3005D6}" type="datetimeFigureOut">
               <a:rPr lang="en-US" smtClean="0"/>
-              <a:t>4/3/2025</a:t>
+              <a:t>4/7/2025</a:t>
             </a:fld>
             <a:endParaRPr lang="en-US"/>
           </a:p>
@@ -2708,7 +2709,7 @@
           <a:p>
             <a:fld id="{6F01DA4D-20EA-48D2-973C-0311EC3005D6}" type="datetimeFigureOut">
               <a:rPr lang="en-US" smtClean="0"/>
-              <a:t>4/3/2025</a:t>
+              <a:t>4/7/2025</a:t>
             </a:fld>
             <a:endParaRPr lang="en-US"/>
           </a:p>
@@ -2921,7 +2922,7 @@
           <a:p>
             <a:fld id="{6F01DA4D-20EA-48D2-973C-0311EC3005D6}" type="datetimeFigureOut">
               <a:rPr lang="en-US" smtClean="0"/>
-              <a:t>4/3/2025</a:t>
+              <a:t>4/7/2025</a:t>
             </a:fld>
             <a:endParaRPr lang="en-US"/>
           </a:p>
@@ -3492,276 +3493,6 @@
       </p:sp>
       <p:sp>
         <p:nvSpPr>
-          <p:cNvPr id="6" name="Rectangle 5"/>
-          <p:cNvSpPr/>
-          <p:nvPr/>
-        </p:nvSpPr>
-        <p:spPr>
-          <a:xfrm>
-            <a:off x="428977" y="2414774"/>
-            <a:ext cx="11204223" cy="1477328"/>
-          </a:xfrm>
-          <a:prstGeom prst="rect">
-            <a:avLst/>
-          </a:prstGeom>
-        </p:spPr>
-        <p:txBody>
-          <a:bodyPr wrap="square">
-            <a:spAutoFit/>
-          </a:bodyPr>
-          <a:lstStyle/>
-          <a:p>
-            <a:r>
-              <a:rPr lang="en" dirty="0">
-                <a:solidFill>
-                  <a:srgbClr val="000000"/>
-                </a:solidFill>
-                <a:latin typeface="Consolas" panose="020B0609020204030204" pitchFamily="49" charset="0"/>
-              </a:rPr>
-              <a:t>AVG Sales Class M =</a:t>
-            </a:r>
-          </a:p>
-          <a:p>
-            <a:r>
-              <a:rPr lang="en" dirty="0">
-                <a:solidFill>
-                  <a:srgbClr val="3165BB"/>
-                </a:solidFill>
-                <a:latin typeface="Consolas" panose="020B0609020204030204" pitchFamily="49" charset="0"/>
-              </a:rPr>
-              <a:t>CALCULATE </a:t>
-            </a:r>
-            <a:r>
-              <a:rPr lang="en" dirty="0">
-                <a:solidFill>
-                  <a:srgbClr val="000000"/>
-                </a:solidFill>
-                <a:latin typeface="Consolas" panose="020B0609020204030204" pitchFamily="49" charset="0"/>
-              </a:rPr>
-              <a:t>(</a:t>
-            </a:r>
-          </a:p>
-          <a:p>
-            <a:r>
-              <a:rPr lang="en" dirty="0">
-                <a:solidFill>
-                  <a:srgbClr val="000000"/>
-                </a:solidFill>
-                <a:latin typeface="Consolas" panose="020B0609020204030204" pitchFamily="49" charset="0"/>
-              </a:rPr>
-              <a:t>    </a:t>
-            </a:r>
-            <a:r>
-              <a:rPr lang="en" dirty="0">
-                <a:solidFill>
-                  <a:srgbClr val="3165BB"/>
-                </a:solidFill>
-                <a:latin typeface="Consolas" panose="020B0609020204030204" pitchFamily="49" charset="0"/>
-              </a:rPr>
-              <a:t>AVERAGE </a:t>
-            </a:r>
-            <a:r>
-              <a:rPr lang="en" dirty="0">
-                <a:solidFill>
-                  <a:srgbClr val="000000"/>
-                </a:solidFill>
-                <a:latin typeface="Consolas" panose="020B0609020204030204" pitchFamily="49" charset="0"/>
-              </a:rPr>
-              <a:t>( </a:t>
-            </a:r>
-            <a:r>
-              <a:rPr lang="en" dirty="0" err="1">
-                <a:solidFill>
-                  <a:srgbClr val="001080"/>
-                </a:solidFill>
-                <a:latin typeface="Consolas" panose="020B0609020204030204" pitchFamily="49" charset="0"/>
-              </a:rPr>
-              <a:t>FactInternetSales </a:t>
-            </a:r>
-            <a:r>
-              <a:rPr lang="en" dirty="0">
-                <a:solidFill>
-                  <a:srgbClr val="001080"/>
-                </a:solidFill>
-                <a:latin typeface="Consolas" panose="020B0609020204030204" pitchFamily="49" charset="0"/>
-              </a:rPr>
-              <a:t>[ </a:t>
-            </a:r>
-            <a:r>
-              <a:rPr lang="en" dirty="0" err="1">
-                <a:solidFill>
-                  <a:srgbClr val="001080"/>
-                </a:solidFill>
-                <a:latin typeface="Consolas" panose="020B0609020204030204" pitchFamily="49" charset="0"/>
-              </a:rPr>
-              <a:t>OrderQuantity </a:t>
-            </a:r>
-            <a:r>
-              <a:rPr lang="en" dirty="0">
-                <a:solidFill>
-                  <a:srgbClr val="001080"/>
-                </a:solidFill>
-                <a:latin typeface="Consolas" panose="020B0609020204030204" pitchFamily="49" charset="0"/>
-              </a:rPr>
-              <a:t>] </a:t>
-            </a:r>
-            <a:r>
-              <a:rPr lang="en" dirty="0">
-                <a:solidFill>
-                  <a:srgbClr val="000000"/>
-                </a:solidFill>
-                <a:latin typeface="Consolas" panose="020B0609020204030204" pitchFamily="49" charset="0"/>
-              </a:rPr>
-              <a:t>) </a:t>
-            </a:r>
-            <a:r>
-              <a:rPr lang="en" dirty="0" smtClean="0">
-                <a:solidFill>
-                  <a:srgbClr val="000000"/>
-                </a:solidFill>
-                <a:latin typeface="Consolas" panose="020B0609020204030204" pitchFamily="49" charset="0"/>
-              </a:rPr>
-              <a:t>* </a:t>
-            </a:r>
-            <a:r>
-              <a:rPr lang="en" dirty="0" smtClean="0">
-                <a:solidFill>
-                  <a:srgbClr val="3165BB"/>
-                </a:solidFill>
-                <a:latin typeface="Consolas" panose="020B0609020204030204" pitchFamily="49" charset="0"/>
-              </a:rPr>
-              <a:t>AVERAGE </a:t>
-            </a:r>
-            <a:r>
-              <a:rPr lang="en" dirty="0" smtClean="0">
-                <a:solidFill>
-                  <a:srgbClr val="000000"/>
-                </a:solidFill>
-                <a:latin typeface="Consolas" panose="020B0609020204030204" pitchFamily="49" charset="0"/>
-              </a:rPr>
-              <a:t>( </a:t>
-            </a:r>
-            <a:r>
-              <a:rPr lang="en" dirty="0" err="1" smtClean="0">
-                <a:solidFill>
-                  <a:srgbClr val="001080"/>
-                </a:solidFill>
-                <a:latin typeface="Consolas" panose="020B0609020204030204" pitchFamily="49" charset="0"/>
-              </a:rPr>
-              <a:t>FactInternetSales </a:t>
-            </a:r>
-            <a:r>
-              <a:rPr lang="en" dirty="0" smtClean="0">
-                <a:solidFill>
-                  <a:srgbClr val="001080"/>
-                </a:solidFill>
-                <a:latin typeface="Consolas" panose="020B0609020204030204" pitchFamily="49" charset="0"/>
-              </a:rPr>
-              <a:t>[ </a:t>
-            </a:r>
-            <a:r>
-              <a:rPr lang="en" dirty="0" err="1" smtClean="0">
-                <a:solidFill>
-                  <a:srgbClr val="001080"/>
-                </a:solidFill>
-                <a:latin typeface="Consolas" panose="020B0609020204030204" pitchFamily="49" charset="0"/>
-              </a:rPr>
-              <a:t>UnitPrice </a:t>
-            </a:r>
-            <a:r>
-              <a:rPr lang="en" dirty="0">
-                <a:solidFill>
-                  <a:srgbClr val="001080"/>
-                </a:solidFill>
-                <a:latin typeface="Consolas" panose="020B0609020204030204" pitchFamily="49" charset="0"/>
-              </a:rPr>
-              <a:t>] </a:t>
-            </a:r>
-            <a:r>
-              <a:rPr lang="en" dirty="0">
-                <a:solidFill>
-                  <a:srgbClr val="000000"/>
-                </a:solidFill>
-                <a:latin typeface="Consolas" panose="020B0609020204030204" pitchFamily="49" charset="0"/>
-              </a:rPr>
-              <a:t>),</a:t>
-            </a:r>
-          </a:p>
-          <a:p>
-            <a:r>
-              <a:rPr lang="en" dirty="0">
-                <a:solidFill>
-                  <a:srgbClr val="000000"/>
-                </a:solidFill>
-                <a:latin typeface="Consolas" panose="020B0609020204030204" pitchFamily="49" charset="0"/>
-              </a:rPr>
-              <a:t>    </a:t>
-            </a:r>
-            <a:r>
-              <a:rPr lang="en" dirty="0" err="1">
-                <a:solidFill>
-                  <a:srgbClr val="001080"/>
-                </a:solidFill>
-                <a:latin typeface="Consolas" panose="020B0609020204030204" pitchFamily="49" charset="0"/>
-              </a:rPr>
-              <a:t>DimProduct </a:t>
-            </a:r>
-            <a:r>
-              <a:rPr lang="en" dirty="0">
-                <a:solidFill>
-                  <a:srgbClr val="001080"/>
-                </a:solidFill>
-                <a:latin typeface="Consolas" panose="020B0609020204030204" pitchFamily="49" charset="0"/>
-              </a:rPr>
-              <a:t>[Class] </a:t>
-            </a:r>
-            <a:r>
-              <a:rPr lang="en" dirty="0">
-                <a:solidFill>
-                  <a:srgbClr val="000000"/>
-                </a:solidFill>
-                <a:latin typeface="Consolas" panose="020B0609020204030204" pitchFamily="49" charset="0"/>
-              </a:rPr>
-              <a:t>= </a:t>
-            </a:r>
-            <a:r>
-              <a:rPr lang="en" dirty="0">
-                <a:solidFill>
-                  <a:srgbClr val="A31515"/>
-                </a:solidFill>
-                <a:latin typeface="Consolas" panose="020B0609020204030204" pitchFamily="49" charset="0"/>
-              </a:rPr>
-              <a:t>"M"</a:t>
-            </a:r>
-            <a:endParaRPr lang="en-US" dirty="0">
-              <a:solidFill>
-                <a:srgbClr val="000000"/>
-              </a:solidFill>
-              <a:latin typeface="Consolas" panose="020B0609020204030204" pitchFamily="49" charset="0"/>
-            </a:endParaRPr>
-          </a:p>
-          <a:p>
-            <a:r>
-              <a:rPr lang="en" dirty="0">
-                <a:solidFill>
-                  <a:srgbClr val="000000"/>
-                </a:solidFill>
-                <a:latin typeface="Consolas" panose="020B0609020204030204" pitchFamily="49" charset="0"/>
-              </a:rPr>
-              <a:t>)</a:t>
-            </a:r>
-            <a:endParaRPr lang="en-US" b="0" dirty="0">
-              <a:solidFill>
-                <a:srgbClr val="000000"/>
-              </a:solidFill>
-              <a:effectLst/>
-              <a:latin typeface="Consolas" panose="020B0609020204030204" pitchFamily="49" charset="0"/>
-            </a:endParaRPr>
-          </a:p>
-        </p:txBody>
-      </p:sp>
-      <p:sp>
-        <p:nvSpPr>
           <p:cNvPr id="5" name="Rectangle 4"/>
           <p:cNvSpPr/>
           <p:nvPr/>
@@ -3787,7 +3518,15 @@
             </a:r>
             <a:r>
               <a:rPr lang="en" dirty="0"/>
-              <a:t>This demonstration uses the AdventureWorks2016 database and more specifically the </a:t>
+              <a:t>This demonstration uses the </a:t>
+            </a:r>
+            <a:r>
+              <a:rPr lang="en" b="1" dirty="0"/>
+              <a:t>AdventureWorks2016</a:t>
+            </a:r>
+            <a:r>
+              <a:rPr lang="en" dirty="0"/>
+              <a:t> database and more specifically the </a:t>
             </a:r>
             <a:r>
               <a:rPr lang="en" b="1" dirty="0" err="1"/>
@@ -3843,6 +3582,266 @@
               <a:t>.</a:t>
             </a:r>
             <a:endParaRPr lang="en-US" dirty="0"/>
+          </a:p>
+        </p:txBody>
+      </p:sp>
+      <p:sp>
+        <p:nvSpPr>
+          <p:cNvPr id="3" name="Rectangle 2"/>
+          <p:cNvSpPr/>
+          <p:nvPr/>
+        </p:nvSpPr>
+        <p:spPr>
+          <a:xfrm>
+            <a:off x="493643" y="2294069"/>
+            <a:ext cx="10946295" cy="1754326"/>
+          </a:xfrm>
+          <a:prstGeom prst="rect">
+            <a:avLst/>
+          </a:prstGeom>
+        </p:spPr>
+        <p:txBody>
+          <a:bodyPr wrap="square">
+            <a:spAutoFit/>
+          </a:bodyPr>
+          <a:lstStyle/>
+          <a:p>
+            <a:r>
+              <a:rPr lang="en-US" dirty="0">
+                <a:solidFill>
+                  <a:srgbClr val="000000"/>
+                </a:solidFill>
+                <a:latin typeface="Consolas" panose="020B0609020204030204" pitchFamily="49" charset="0"/>
+              </a:rPr>
+              <a:t>AVG Sales Class M = </a:t>
+            </a:r>
+          </a:p>
+          <a:p>
+            <a:r>
+              <a:rPr lang="en-US" dirty="0">
+                <a:solidFill>
+                  <a:srgbClr val="3165BB"/>
+                </a:solidFill>
+                <a:latin typeface="Consolas" panose="020B0609020204030204" pitchFamily="49" charset="0"/>
+              </a:rPr>
+              <a:t>CALCULATE</a:t>
+            </a:r>
+            <a:r>
+              <a:rPr lang="en-US" dirty="0">
+                <a:solidFill>
+                  <a:srgbClr val="000000"/>
+                </a:solidFill>
+                <a:latin typeface="Consolas" panose="020B0609020204030204" pitchFamily="49" charset="0"/>
+              </a:rPr>
+              <a:t> (</a:t>
+            </a:r>
+          </a:p>
+          <a:p>
+            <a:r>
+              <a:rPr lang="en-US" dirty="0">
+                <a:solidFill>
+                  <a:srgbClr val="000000"/>
+                </a:solidFill>
+                <a:latin typeface="Consolas" panose="020B0609020204030204" pitchFamily="49" charset="0"/>
+              </a:rPr>
+              <a:t>    </a:t>
+            </a:r>
+            <a:r>
+              <a:rPr lang="en-US" dirty="0">
+                <a:solidFill>
+                  <a:srgbClr val="3165BB"/>
+                </a:solidFill>
+                <a:latin typeface="Consolas" panose="020B0609020204030204" pitchFamily="49" charset="0"/>
+              </a:rPr>
+              <a:t>AVERAGEX</a:t>
+            </a:r>
+            <a:r>
+              <a:rPr lang="en-US" dirty="0">
+                <a:solidFill>
+                  <a:srgbClr val="000000"/>
+                </a:solidFill>
+                <a:latin typeface="Consolas" panose="020B0609020204030204" pitchFamily="49" charset="0"/>
+              </a:rPr>
+              <a:t>(</a:t>
+            </a:r>
+            <a:r>
+              <a:rPr lang="en-US" dirty="0" err="1">
+                <a:solidFill>
+                  <a:srgbClr val="000000"/>
+                </a:solidFill>
+                <a:latin typeface="Consolas" panose="020B0609020204030204" pitchFamily="49" charset="0"/>
+              </a:rPr>
+              <a:t>FactInternetSales,FactInternetSales</a:t>
+            </a:r>
+            <a:r>
+              <a:rPr lang="en-US" dirty="0">
+                <a:solidFill>
+                  <a:srgbClr val="000000"/>
+                </a:solidFill>
+                <a:latin typeface="Consolas" panose="020B0609020204030204" pitchFamily="49" charset="0"/>
+              </a:rPr>
+              <a:t>[</a:t>
+            </a:r>
+            <a:r>
+              <a:rPr lang="en-US" dirty="0" err="1">
+                <a:solidFill>
+                  <a:srgbClr val="000000"/>
+                </a:solidFill>
+                <a:latin typeface="Consolas" panose="020B0609020204030204" pitchFamily="49" charset="0"/>
+              </a:rPr>
+              <a:t>OrderQuantity</a:t>
+            </a:r>
+            <a:r>
+              <a:rPr lang="en-US" dirty="0">
+                <a:solidFill>
+                  <a:srgbClr val="000000"/>
+                </a:solidFill>
+                <a:latin typeface="Consolas" panose="020B0609020204030204" pitchFamily="49" charset="0"/>
+              </a:rPr>
+              <a:t>]) </a:t>
+            </a:r>
+            <a:endParaRPr lang="en-US" dirty="0" smtClean="0">
+              <a:solidFill>
+                <a:srgbClr val="000000"/>
+              </a:solidFill>
+              <a:latin typeface="Consolas" panose="020B0609020204030204" pitchFamily="49" charset="0"/>
+            </a:endParaRPr>
+          </a:p>
+          <a:p>
+            <a:r>
+              <a:rPr lang="en-US" dirty="0">
+                <a:solidFill>
+                  <a:srgbClr val="000000"/>
+                </a:solidFill>
+                <a:latin typeface="Consolas" panose="020B0609020204030204" pitchFamily="49" charset="0"/>
+              </a:rPr>
+              <a:t> </a:t>
+            </a:r>
+            <a:r>
+              <a:rPr lang="en-US" dirty="0" smtClean="0">
+                <a:solidFill>
+                  <a:srgbClr val="000000"/>
+                </a:solidFill>
+                <a:latin typeface="Consolas" panose="020B0609020204030204" pitchFamily="49" charset="0"/>
+              </a:rPr>
+              <a:t>   * </a:t>
+            </a:r>
+            <a:r>
+              <a:rPr lang="en-US" dirty="0">
+                <a:solidFill>
+                  <a:srgbClr val="3165BB"/>
+                </a:solidFill>
+                <a:latin typeface="Consolas" panose="020B0609020204030204" pitchFamily="49" charset="0"/>
+              </a:rPr>
+              <a:t>AVERAGE</a:t>
+            </a:r>
+            <a:r>
+              <a:rPr lang="en-US" dirty="0">
+                <a:solidFill>
+                  <a:srgbClr val="000000"/>
+                </a:solidFill>
+                <a:latin typeface="Consolas" panose="020B0609020204030204" pitchFamily="49" charset="0"/>
+              </a:rPr>
+              <a:t> (</a:t>
+            </a:r>
+            <a:r>
+              <a:rPr lang="en-US" dirty="0" err="1">
+                <a:solidFill>
+                  <a:srgbClr val="000000"/>
+                </a:solidFill>
+                <a:latin typeface="Consolas" panose="020B0609020204030204" pitchFamily="49" charset="0"/>
+              </a:rPr>
+              <a:t>FactInternetSales</a:t>
+            </a:r>
+            <a:r>
+              <a:rPr lang="en-US" dirty="0">
+                <a:solidFill>
+                  <a:srgbClr val="000000"/>
+                </a:solidFill>
+                <a:latin typeface="Consolas" panose="020B0609020204030204" pitchFamily="49" charset="0"/>
+              </a:rPr>
+              <a:t>[</a:t>
+            </a:r>
+            <a:r>
+              <a:rPr lang="en-US" dirty="0" err="1">
+                <a:solidFill>
+                  <a:srgbClr val="000000"/>
+                </a:solidFill>
+                <a:latin typeface="Consolas" panose="020B0609020204030204" pitchFamily="49" charset="0"/>
+              </a:rPr>
+              <a:t>UnitPrice</a:t>
+            </a:r>
+            <a:r>
+              <a:rPr lang="en-US" dirty="0">
+                <a:solidFill>
+                  <a:srgbClr val="000000"/>
+                </a:solidFill>
+                <a:latin typeface="Consolas" panose="020B0609020204030204" pitchFamily="49" charset="0"/>
+              </a:rPr>
+              <a:t>]),</a:t>
+            </a:r>
+          </a:p>
+          <a:p>
+            <a:r>
+              <a:rPr lang="en-US" dirty="0">
+                <a:solidFill>
+                  <a:srgbClr val="000000"/>
+                </a:solidFill>
+                <a:latin typeface="Consolas" panose="020B0609020204030204" pitchFamily="49" charset="0"/>
+              </a:rPr>
+              <a:t>    </a:t>
+            </a:r>
+            <a:r>
+              <a:rPr lang="en-US" dirty="0" err="1">
+                <a:solidFill>
+                  <a:srgbClr val="000000"/>
+                </a:solidFill>
+                <a:latin typeface="Consolas" panose="020B0609020204030204" pitchFamily="49" charset="0"/>
+              </a:rPr>
+              <a:t>DimProduct</a:t>
+            </a:r>
+            <a:r>
+              <a:rPr lang="en-US" dirty="0">
+                <a:solidFill>
+                  <a:srgbClr val="000000"/>
+                </a:solidFill>
+                <a:latin typeface="Consolas" panose="020B0609020204030204" pitchFamily="49" charset="0"/>
+              </a:rPr>
+              <a:t> [Class] = </a:t>
+            </a:r>
+            <a:r>
+              <a:rPr lang="en-US" dirty="0">
+                <a:solidFill>
+                  <a:srgbClr val="A31515"/>
+                </a:solidFill>
+                <a:latin typeface="Consolas" panose="020B0609020204030204" pitchFamily="49" charset="0"/>
+              </a:rPr>
+              <a:t>"M"</a:t>
+            </a:r>
+            <a:endParaRPr lang="en-US" dirty="0">
+              <a:solidFill>
+                <a:srgbClr val="000000"/>
+              </a:solidFill>
+              <a:latin typeface="Consolas" panose="020B0609020204030204" pitchFamily="49" charset="0"/>
+            </a:endParaRPr>
+          </a:p>
+          <a:p>
+            <a:r>
+              <a:rPr lang="en-US" dirty="0">
+                <a:solidFill>
+                  <a:srgbClr val="000000"/>
+                </a:solidFill>
+                <a:latin typeface="Consolas" panose="020B0609020204030204" pitchFamily="49" charset="0"/>
+              </a:rPr>
+              <a:t>)</a:t>
+            </a:r>
+            <a:endParaRPr lang="en-US" b="0" dirty="0">
+              <a:solidFill>
+                <a:srgbClr val="000000"/>
+              </a:solidFill>
+              <a:effectLst/>
+              <a:latin typeface="Consolas" panose="020B0609020204030204" pitchFamily="49" charset="0"/>
+            </a:endParaRPr>
           </a:p>
         </p:txBody>
       </p:sp>
@@ -3884,16 +3883,15 @@
           </p:cNvPicPr>
           <p:nvPr/>
         </p:nvPicPr>
-        <p:blipFill>
+        <p:blipFill rotWithShape="1">
           <a:blip r:embed="rId2"/>
-          <a:stretch>
-            <a:fillRect/>
-          </a:stretch>
+          <a:srcRect b="38113"/>
+          <a:stretch/>
         </p:blipFill>
         <p:spPr>
           <a:xfrm>
             <a:off x="371542" y="1375768"/>
-            <a:ext cx="5747045" cy="2514729"/>
+            <a:ext cx="9747722" cy="2639641"/>
           </a:xfrm>
           <a:prstGeom prst="rect">
             <a:avLst/>
@@ -3944,8 +3942,8 @@
         </p:nvSpPr>
         <p:spPr>
           <a:xfrm>
-            <a:off x="3397956" y="1919111"/>
-            <a:ext cx="485422" cy="970845"/>
+            <a:off x="5480633" y="2455824"/>
+            <a:ext cx="751201" cy="1480072"/>
           </a:xfrm>
           <a:prstGeom prst="rect">
             <a:avLst/>
@@ -4388,8 +4386,8 @@
         </p:nvSpPr>
         <p:spPr>
           <a:xfrm>
-            <a:off x="309382" y="2239201"/>
-            <a:ext cx="11177061" cy="646331"/>
+            <a:off x="653697" y="2329512"/>
+            <a:ext cx="11177061" cy="369332"/>
           </a:xfrm>
           <a:prstGeom prst="rect">
             <a:avLst/>
@@ -4402,29 +4400,49 @@
           <a:lstStyle/>
           <a:p>
             <a:r>
-              <a:rPr lang="en" dirty="0"/>
-              <a:t>Conclude that the </a:t>
-            </a:r>
-            <a:r>
-              <a:rPr lang="en" b="1" dirty="0" err="1"/>
-              <a:t>Calculate function </a:t>
-            </a:r>
-            <a:r>
-              <a:rPr lang="en" dirty="0"/>
-              <a:t>is used to calculate measures and calculated columns, while </a:t>
-            </a:r>
-            <a:r>
-              <a:rPr lang="en" b="1" dirty="0" err="1"/>
-              <a:t>CalculateTable </a:t>
-            </a:r>
-            <a:r>
-              <a:rPr lang="en" dirty="0"/>
-              <a:t>is used to create filtered views.</a:t>
-            </a:r>
-            <a:endParaRPr lang="en-US" dirty="0"/>
-          </a:p>
-        </p:txBody>
-      </p:sp>
+              <a:rPr lang="en" dirty="0" smtClean="0"/>
+              <a:t>We have to establish the relationship betwe</a:t>
+            </a:r>
+            <a:r>
+              <a:rPr lang="en-US" dirty="0" smtClean="0"/>
+              <a:t>e</a:t>
+            </a:r>
+            <a:r>
+              <a:rPr lang="en" dirty="0" smtClean="0"/>
+              <a:t>n the new calculated table and </a:t>
+            </a:r>
+            <a:r>
+              <a:rPr lang="en" b="1" dirty="0" smtClean="0"/>
+              <a:t>FactInternetSales</a:t>
+            </a:r>
+            <a:endParaRPr lang="en-US" b="1" dirty="0"/>
+          </a:p>
+        </p:txBody>
+      </p:sp>
+      <p:pic>
+        <p:nvPicPr>
+          <p:cNvPr id="5" name="Picture 4"/>
+          <p:cNvPicPr>
+            <a:picLocks noChangeAspect="1"/>
+          </p:cNvPicPr>
+          <p:nvPr/>
+        </p:nvPicPr>
+        <p:blipFill>
+          <a:blip r:embed="rId2"/>
+          <a:stretch>
+            <a:fillRect/>
+          </a:stretch>
+        </p:blipFill>
+        <p:spPr>
+          <a:xfrm>
+            <a:off x="2084875" y="3188983"/>
+            <a:ext cx="6849431" cy="3029373"/>
+          </a:xfrm>
+          <a:prstGeom prst="rect">
+            <a:avLst/>
+          </a:prstGeom>
+        </p:spPr>
+      </p:pic>
     </p:spTree>
     <p:extLst>
       <p:ext uri="{BB962C8B-B14F-4D97-AF65-F5344CB8AC3E}">
@@ -4439,6 +4457,147 @@
 </file>
 
 <file path=ppt/slides/slide5.xml><?xml version="1.0" encoding="utf-8"?>
+<p:sld xmlns:a="http://schemas.openxmlformats.org/drawingml/2006/main" xmlns:r="http://schemas.openxmlformats.org/officeDocument/2006/relationships" xmlns:p="http://schemas.openxmlformats.org/presentationml/2006/main">
+  <p:cSld>
+    <p:spTree>
+      <p:nvGrpSpPr>
+        <p:cNvPr id="1" name=""/>
+        <p:cNvGrpSpPr/>
+        <p:nvPr/>
+      </p:nvGrpSpPr>
+      <p:grpSpPr>
+        <a:xfrm>
+          <a:off x="0" y="0"/>
+          <a:ext cx="0" cy="0"/>
+          <a:chOff x="0" y="0"/>
+          <a:chExt cx="0" cy="0"/>
+        </a:xfrm>
+      </p:grpSpPr>
+      <p:sp>
+        <p:nvSpPr>
+          <p:cNvPr id="2" name="TextBox 1"/>
+          <p:cNvSpPr txBox="1"/>
+          <p:nvPr/>
+        </p:nvSpPr>
+        <p:spPr>
+          <a:xfrm>
+            <a:off x="309383" y="261257"/>
+            <a:ext cx="2353401" cy="461665"/>
+          </a:xfrm>
+          <a:prstGeom prst="rect">
+            <a:avLst/>
+          </a:prstGeom>
+          <a:noFill/>
+        </p:spPr>
+        <p:txBody>
+          <a:bodyPr wrap="none" rtlCol="0">
+            <a:spAutoFit/>
+          </a:bodyPr>
+          <a:lstStyle/>
+          <a:p>
+            <a:r>
+              <a:rPr lang="en" sz="2400" b="1" dirty="0" smtClean="0">
+                <a:latin typeface="Segoe UI" panose="020B0502040204020203" pitchFamily="34" charset="0"/>
+                <a:cs typeface="Segoe UI" panose="020B0502040204020203" pitchFamily="34" charset="0"/>
+              </a:rPr>
+              <a:t>Calculate Table</a:t>
+            </a:r>
+            <a:endParaRPr lang="en-US" sz="2400" b="1" dirty="0">
+              <a:latin typeface="Segoe UI" panose="020B0502040204020203" pitchFamily="34" charset="0"/>
+              <a:cs typeface="Segoe UI" panose="020B0502040204020203" pitchFamily="34" charset="0"/>
+            </a:endParaRPr>
+          </a:p>
+        </p:txBody>
+      </p:sp>
+      <p:sp>
+        <p:nvSpPr>
+          <p:cNvPr id="4" name="Rectangle 3"/>
+          <p:cNvSpPr/>
+          <p:nvPr/>
+        </p:nvSpPr>
+        <p:spPr>
+          <a:xfrm>
+            <a:off x="383822" y="856791"/>
+            <a:ext cx="11446936" cy="707886"/>
+          </a:xfrm>
+          <a:prstGeom prst="rect">
+            <a:avLst/>
+          </a:prstGeom>
+        </p:spPr>
+        <p:txBody>
+          <a:bodyPr wrap="square">
+            <a:spAutoFit/>
+          </a:bodyPr>
+          <a:lstStyle/>
+          <a:p>
+            <a:r>
+              <a:rPr lang="en" sz="2000" dirty="0" smtClean="0"/>
+              <a:t>The we try to represent the data composed by fields form the new calculeted table and the new created measure</a:t>
+            </a:r>
+            <a:endParaRPr lang="en-US" sz="2000" dirty="0"/>
+          </a:p>
+        </p:txBody>
+      </p:sp>
+      <p:pic>
+        <p:nvPicPr>
+          <p:cNvPr id="6" name="Picture 5"/>
+          <p:cNvPicPr>
+            <a:picLocks noChangeAspect="1"/>
+          </p:cNvPicPr>
+          <p:nvPr/>
+        </p:nvPicPr>
+        <p:blipFill rotWithShape="1">
+          <a:blip r:embed="rId2"/>
+          <a:srcRect r="51763"/>
+          <a:stretch/>
+        </p:blipFill>
+        <p:spPr>
+          <a:xfrm>
+            <a:off x="2662784" y="1877450"/>
+            <a:ext cx="4844161" cy="3770996"/>
+          </a:xfrm>
+          <a:prstGeom prst="rect">
+            <a:avLst/>
+          </a:prstGeom>
+        </p:spPr>
+      </p:pic>
+      <p:pic>
+        <p:nvPicPr>
+          <p:cNvPr id="8" name="Picture 7"/>
+          <p:cNvPicPr>
+            <a:picLocks noChangeAspect="1"/>
+          </p:cNvPicPr>
+          <p:nvPr/>
+        </p:nvPicPr>
+        <p:blipFill rotWithShape="1">
+          <a:blip r:embed="rId2"/>
+          <a:srcRect l="76639"/>
+          <a:stretch/>
+        </p:blipFill>
+        <p:spPr>
+          <a:xfrm>
+            <a:off x="7568411" y="2448314"/>
+            <a:ext cx="1635682" cy="2629267"/>
+          </a:xfrm>
+          <a:prstGeom prst="rect">
+            <a:avLst/>
+          </a:prstGeom>
+        </p:spPr>
+      </p:pic>
+    </p:spTree>
+    <p:extLst>
+      <p:ext uri="{BB962C8B-B14F-4D97-AF65-F5344CB8AC3E}">
+        <p14:creationId xmlns:p14="http://schemas.microsoft.com/office/powerpoint/2010/main" val="2563157813"/>
+      </p:ext>
+    </p:extLst>
+  </p:cSld>
+  <p:clrMapOvr>
+    <a:masterClrMapping/>
+  </p:clrMapOvr>
+</p:sld>
+</file>
+
+<file path=ppt/slides/slide6.xml><?xml version="1.0" encoding="utf-8"?>
 <p:sld xmlns:a="http://schemas.openxmlformats.org/drawingml/2006/main" xmlns:r="http://schemas.openxmlformats.org/officeDocument/2006/relationships" xmlns:p="http://schemas.openxmlformats.org/presentationml/2006/main">
   <p:cSld>
     <p:bg>
